--- a/Presentation/reseach_question_presentation_template.pptx
+++ b/Presentation/reseach_question_presentation_template.pptx
@@ -5,17 +5,19 @@
     <p:sldMasterId id="2147483648" r:id="rId4"/>
   </p:sldMasterIdLst>
   <p:notesMasterIdLst>
-    <p:notesMasterId r:id="rId10"/>
+    <p:notesMasterId r:id="rId12"/>
   </p:notesMasterIdLst>
   <p:handoutMasterIdLst>
-    <p:handoutMasterId r:id="rId11"/>
+    <p:handoutMasterId r:id="rId13"/>
   </p:handoutMasterIdLst>
   <p:sldIdLst>
     <p:sldId id="289" r:id="rId5"/>
     <p:sldId id="339" r:id="rId6"/>
     <p:sldId id="329" r:id="rId7"/>
     <p:sldId id="336" r:id="rId8"/>
-    <p:sldId id="338" r:id="rId9"/>
+    <p:sldId id="260" r:id="rId9"/>
+    <p:sldId id="340" r:id="rId10"/>
+    <p:sldId id="338" r:id="rId11"/>
   </p:sldIdLst>
   <p:sldSz cx="12192000" cy="6858000"/>
   <p:notesSz cx="6858000" cy="9144000"/>
@@ -254,7 +256,7 @@
             <a:fld id="{93FAAC3A-BD1F-4A00-9099-74B95789FE00}" type="datetimeFigureOut">
               <a:rPr lang="en-GB" smtClean="0"/>
               <a:pPr/>
-              <a:t>22/11/2024</a:t>
+              <a:t>24/11/2024</a:t>
             </a:fld>
             <a:endParaRPr lang="en-GB"/>
           </a:p>
@@ -433,7 +435,7 @@
             <a:fld id="{8E359C8A-39F6-4045-9163-4042C4C26B15}" type="datetimeFigureOut">
               <a:rPr lang="en-GB" smtClean="0"/>
               <a:pPr/>
-              <a:t>22/11/2024</a:t>
+              <a:t>23/11/2024</a:t>
             </a:fld>
             <a:endParaRPr lang="en-GB"/>
           </a:p>
@@ -911,6 +913,247 @@
       </p:grpSpPr>
       <p:sp>
         <p:nvSpPr>
+          <p:cNvPr id="142" name="PlaceHolder 1"/>
+          <p:cNvSpPr>
+            <a:spLocks noGrp="1" noRot="1" noChangeAspect="1"/>
+          </p:cNvSpPr>
+          <p:nvPr>
+            <p:ph type="sldImg"/>
+          </p:nvPr>
+        </p:nvSpPr>
+        <p:spPr>
+          <a:xfrm>
+            <a:off x="685800" y="1143000"/>
+            <a:ext cx="5486400" cy="3086100"/>
+          </a:xfrm>
+          <a:prstGeom prst="rect">
+            <a:avLst/>
+          </a:prstGeom>
+        </p:spPr>
+      </p:sp>
+      <p:sp>
+        <p:nvSpPr>
+          <p:cNvPr id="143" name="PlaceHolder 2"/>
+          <p:cNvSpPr>
+            <a:spLocks noGrp="1"/>
+          </p:cNvSpPr>
+          <p:nvPr>
+            <p:ph type="body"/>
+          </p:nvPr>
+        </p:nvSpPr>
+        <p:spPr>
+          <a:xfrm>
+            <a:off x="685800" y="4400640"/>
+            <a:ext cx="5486040" cy="3600000"/>
+          </a:xfrm>
+          <a:prstGeom prst="rect">
+            <a:avLst/>
+          </a:prstGeom>
+        </p:spPr>
+        <p:txBody>
+          <a:bodyPr>
+            <a:noAutofit/>
+          </a:bodyPr>
+          <a:lstStyle/>
+          <a:p>
+            <a:endParaRPr lang="en-US" sz="2000" b="0" strike="noStrike" spc="-1">
+              <a:latin typeface="Arial"/>
+            </a:endParaRPr>
+          </a:p>
+        </p:txBody>
+      </p:sp>
+      <p:sp>
+        <p:nvSpPr>
+          <p:cNvPr id="144" name="TextShape 3"/>
+          <p:cNvSpPr txBox="1"/>
+          <p:nvPr/>
+        </p:nvSpPr>
+        <p:spPr>
+          <a:xfrm>
+            <a:off x="3884760" y="8685360"/>
+            <a:ext cx="2971440" cy="458280"/>
+          </a:xfrm>
+          <a:prstGeom prst="rect">
+            <a:avLst/>
+          </a:prstGeom>
+          <a:noFill/>
+          <a:ln>
+            <a:noFill/>
+          </a:ln>
+        </p:spPr>
+        <p:txBody>
+          <a:bodyPr anchor="b">
+            <a:noAutofit/>
+          </a:bodyPr>
+          <a:lstStyle/>
+          <a:p>
+            <a:pPr algn="r">
+              <a:lnSpc>
+                <a:spcPct val="100000"/>
+              </a:lnSpc>
+            </a:pPr>
+            <a:fld id="{F2152A03-473D-4693-94B3-2C4A26E4B7E1}" type="slidenum">
+              <a:rPr lang="en-GB" sz="1200" b="0" strike="noStrike" spc="-1">
+                <a:latin typeface="Times New Roman"/>
+              </a:rPr>
+              <a:t>5</a:t>
+            </a:fld>
+            <a:endParaRPr lang="en-US" sz="1200" b="0" strike="noStrike" spc="-1">
+              <a:latin typeface="Times New Roman"/>
+            </a:endParaRPr>
+          </a:p>
+        </p:txBody>
+      </p:sp>
+    </p:spTree>
+  </p:cSld>
+  <p:clrMapOvr>
+    <a:masterClrMapping/>
+  </p:clrMapOvr>
+</p:notes>
+</file>
+
+<file path=ppt/notesSlides/notesSlide4.xml><?xml version="1.0" encoding="utf-8"?>
+<p:notes xmlns:a="http://schemas.openxmlformats.org/drawingml/2006/main" xmlns:r="http://schemas.openxmlformats.org/officeDocument/2006/relationships" xmlns:p="http://schemas.openxmlformats.org/presentationml/2006/main">
+  <p:cSld>
+    <p:spTree>
+      <p:nvGrpSpPr>
+        <p:cNvPr id="1" name=""/>
+        <p:cNvGrpSpPr/>
+        <p:nvPr/>
+      </p:nvGrpSpPr>
+      <p:grpSpPr>
+        <a:xfrm>
+          <a:off x="0" y="0"/>
+          <a:ext cx="0" cy="0"/>
+          <a:chOff x="0" y="0"/>
+          <a:chExt cx="0" cy="0"/>
+        </a:xfrm>
+      </p:grpSpPr>
+      <p:sp>
+        <p:nvSpPr>
+          <p:cNvPr id="142" name="PlaceHolder 1"/>
+          <p:cNvSpPr>
+            <a:spLocks noGrp="1" noRot="1" noChangeAspect="1"/>
+          </p:cNvSpPr>
+          <p:nvPr>
+            <p:ph type="sldImg"/>
+          </p:nvPr>
+        </p:nvSpPr>
+        <p:spPr>
+          <a:xfrm>
+            <a:off x="685800" y="1143000"/>
+            <a:ext cx="5486400" cy="3086100"/>
+          </a:xfrm>
+          <a:prstGeom prst="rect">
+            <a:avLst/>
+          </a:prstGeom>
+        </p:spPr>
+      </p:sp>
+      <p:sp>
+        <p:nvSpPr>
+          <p:cNvPr id="143" name="PlaceHolder 2"/>
+          <p:cNvSpPr>
+            <a:spLocks noGrp="1"/>
+          </p:cNvSpPr>
+          <p:nvPr>
+            <p:ph type="body"/>
+          </p:nvPr>
+        </p:nvSpPr>
+        <p:spPr>
+          <a:xfrm>
+            <a:off x="685800" y="4400640"/>
+            <a:ext cx="5486040" cy="3600000"/>
+          </a:xfrm>
+          <a:prstGeom prst="rect">
+            <a:avLst/>
+          </a:prstGeom>
+        </p:spPr>
+        <p:txBody>
+          <a:bodyPr>
+            <a:noAutofit/>
+          </a:bodyPr>
+          <a:lstStyle/>
+          <a:p>
+            <a:endParaRPr lang="en-US" sz="2000" b="0" strike="noStrike" spc="-1">
+              <a:latin typeface="Arial"/>
+            </a:endParaRPr>
+          </a:p>
+        </p:txBody>
+      </p:sp>
+      <p:sp>
+        <p:nvSpPr>
+          <p:cNvPr id="144" name="TextShape 3"/>
+          <p:cNvSpPr txBox="1"/>
+          <p:nvPr/>
+        </p:nvSpPr>
+        <p:spPr>
+          <a:xfrm>
+            <a:off x="3884760" y="8685360"/>
+            <a:ext cx="2971440" cy="458280"/>
+          </a:xfrm>
+          <a:prstGeom prst="rect">
+            <a:avLst/>
+          </a:prstGeom>
+          <a:noFill/>
+          <a:ln>
+            <a:noFill/>
+          </a:ln>
+        </p:spPr>
+        <p:txBody>
+          <a:bodyPr anchor="b">
+            <a:noAutofit/>
+          </a:bodyPr>
+          <a:lstStyle/>
+          <a:p>
+            <a:pPr algn="r">
+              <a:lnSpc>
+                <a:spcPct val="100000"/>
+              </a:lnSpc>
+            </a:pPr>
+            <a:fld id="{F2152A03-473D-4693-94B3-2C4A26E4B7E1}" type="slidenum">
+              <a:rPr lang="en-GB" sz="1200" b="0" strike="noStrike" spc="-1">
+                <a:latin typeface="Times New Roman"/>
+              </a:rPr>
+              <a:t>6</a:t>
+            </a:fld>
+            <a:endParaRPr lang="en-US" sz="1200" b="0" strike="noStrike" spc="-1">
+              <a:latin typeface="Times New Roman"/>
+            </a:endParaRPr>
+          </a:p>
+        </p:txBody>
+      </p:sp>
+    </p:spTree>
+    <p:extLst>
+      <p:ext uri="{BB962C8B-B14F-4D97-AF65-F5344CB8AC3E}">
+        <p14:creationId xmlns:p14="http://schemas.microsoft.com/office/powerpoint/2010/main" val="3631245598"/>
+      </p:ext>
+    </p:extLst>
+  </p:cSld>
+  <p:clrMapOvr>
+    <a:masterClrMapping/>
+  </p:clrMapOvr>
+</p:notes>
+</file>
+
+<file path=ppt/notesSlides/notesSlide5.xml><?xml version="1.0" encoding="utf-8"?>
+<p:notes xmlns:a="http://schemas.openxmlformats.org/drawingml/2006/main" xmlns:r="http://schemas.openxmlformats.org/officeDocument/2006/relationships" xmlns:p="http://schemas.openxmlformats.org/presentationml/2006/main">
+  <p:cSld>
+    <p:spTree>
+      <p:nvGrpSpPr>
+        <p:cNvPr id="1" name=""/>
+        <p:cNvGrpSpPr/>
+        <p:nvPr/>
+      </p:nvGrpSpPr>
+      <p:grpSpPr>
+        <a:xfrm>
+          <a:off x="0" y="0"/>
+          <a:ext cx="0" cy="0"/>
+          <a:chOff x="0" y="0"/>
+          <a:chExt cx="0" cy="0"/>
+        </a:xfrm>
+      </p:grpSpPr>
+      <p:sp>
+        <p:nvSpPr>
           <p:cNvPr id="2" name="Slide Image Placeholder 1"/>
           <p:cNvSpPr>
             <a:spLocks noGrp="1" noRot="1" noChangeAspect="1"/>
@@ -958,7 +1201,7 @@
             <a:fld id="{30370952-48CC-46D7-9FCD-59FAD40CC025}" type="slidenum">
               <a:rPr lang="en-GB" smtClean="0"/>
               <a:pPr/>
-              <a:t>5</a:t>
+              <a:t>7</a:t>
             </a:fld>
             <a:endParaRPr lang="en-GB"/>
           </a:p>
@@ -1904,6 +2147,36 @@
 </p:sldLayout>
 </file>
 
+<file path=ppt/slideLayouts/slideLayout14.xml><?xml version="1.0" encoding="utf-8"?>
+<p:sldLayout xmlns:a="http://schemas.openxmlformats.org/drawingml/2006/main" xmlns:r="http://schemas.openxmlformats.org/officeDocument/2006/relationships" xmlns:p="http://schemas.openxmlformats.org/presentationml/2006/main" type="blank">
+  <p:cSld name="Blank Slide">
+    <p:spTree>
+      <p:nvGrpSpPr>
+        <p:cNvPr id="1" name=""/>
+        <p:cNvGrpSpPr/>
+        <p:nvPr/>
+      </p:nvGrpSpPr>
+      <p:grpSpPr>
+        <a:xfrm>
+          <a:off x="0" y="0"/>
+          <a:ext cx="0" cy="0"/>
+          <a:chOff x="0" y="0"/>
+          <a:chExt cx="0" cy="0"/>
+        </a:xfrm>
+      </p:grpSpPr>
+    </p:spTree>
+    <p:extLst>
+      <p:ext uri="{BB962C8B-B14F-4D97-AF65-F5344CB8AC3E}">
+        <p14:creationId xmlns:p14="http://schemas.microsoft.com/office/powerpoint/2010/main" val="2683014891"/>
+      </p:ext>
+    </p:extLst>
+  </p:cSld>
+  <p:clrMapOvr>
+    <a:masterClrMapping/>
+  </p:clrMapOvr>
+</p:sldLayout>
+</file>
+
 <file path=ppt/slideLayouts/slideLayout2.xml><?xml version="1.0" encoding="utf-8"?>
 <p:sldLayout xmlns:a="http://schemas.openxmlformats.org/drawingml/2006/main" xmlns:r="http://schemas.openxmlformats.org/officeDocument/2006/relationships" xmlns:p="http://schemas.openxmlformats.org/presentationml/2006/main" type="title" preserve="1">
   <p:cSld name="Section divider">
@@ -4403,6 +4676,7 @@
     <p:sldLayoutId id="2147483723" r:id="rId11"/>
     <p:sldLayoutId id="2147483706" r:id="rId12"/>
     <p:sldLayoutId id="2147483697" r:id="rId13"/>
+    <p:sldLayoutId id="2147483724" r:id="rId14"/>
   </p:sldLayoutIdLst>
   <p:hf hdr="0" ftr="0" dt="0"/>
   <p:txStyles>
@@ -6365,6 +6639,1793 @@
       </p:grpSpPr>
       <p:sp>
         <p:nvSpPr>
+          <p:cNvPr id="115" name="CustomShape 1"/>
+          <p:cNvSpPr/>
+          <p:nvPr/>
+        </p:nvSpPr>
+        <p:spPr>
+          <a:xfrm>
+            <a:off x="0" y="0"/>
+            <a:ext cx="12191760" cy="6857640"/>
+          </a:xfrm>
+          <a:prstGeom prst="rect">
+            <a:avLst/>
+          </a:prstGeom>
+          <a:solidFill>
+            <a:schemeClr val="bg1"/>
+          </a:solidFill>
+          <a:ln>
+            <a:noFill/>
+          </a:ln>
+        </p:spPr>
+        <p:style>
+          <a:lnRef idx="2">
+            <a:schemeClr val="accent1">
+              <a:shade val="50000"/>
+            </a:schemeClr>
+          </a:lnRef>
+          <a:fillRef idx="1">
+            <a:schemeClr val="accent1"/>
+          </a:fillRef>
+          <a:effectRef idx="0">
+            <a:schemeClr val="accent1"/>
+          </a:effectRef>
+          <a:fontRef idx="minor"/>
+        </p:style>
+        <p:txBody>
+          <a:bodyPr/>
+          <a:lstStyle/>
+          <a:p>
+            <a:endParaRPr lang="en-GB"/>
+          </a:p>
+        </p:txBody>
+      </p:sp>
+      <p:sp>
+        <p:nvSpPr>
+          <p:cNvPr id="116" name="CustomShape 2"/>
+          <p:cNvSpPr/>
+          <p:nvPr/>
+        </p:nvSpPr>
+        <p:spPr>
+          <a:xfrm rot="10800000" flipH="1">
+            <a:off x="360" y="360"/>
+            <a:ext cx="12191760" cy="1575720"/>
+          </a:xfrm>
+          <a:prstGeom prst="rect">
+            <a:avLst/>
+          </a:prstGeom>
+          <a:gradFill rotWithShape="0">
+            <a:gsLst>
+              <a:gs pos="0">
+                <a:srgbClr val="000000">
+                  <a:alpha val="96078"/>
+                </a:srgbClr>
+              </a:gs>
+              <a:gs pos="100000">
+                <a:srgbClr val="77418E"/>
+              </a:gs>
+            </a:gsLst>
+            <a:lin ang="15600000"/>
+          </a:gradFill>
+          <a:ln>
+            <a:noFill/>
+          </a:ln>
+        </p:spPr>
+        <p:style>
+          <a:lnRef idx="2">
+            <a:schemeClr val="accent1">
+              <a:shade val="50000"/>
+            </a:schemeClr>
+          </a:lnRef>
+          <a:fillRef idx="1">
+            <a:schemeClr val="accent1"/>
+          </a:fillRef>
+          <a:effectRef idx="0">
+            <a:schemeClr val="accent1"/>
+          </a:effectRef>
+          <a:fontRef idx="minor"/>
+        </p:style>
+        <p:txBody>
+          <a:bodyPr/>
+          <a:lstStyle/>
+          <a:p>
+            <a:endParaRPr lang="en-GB"/>
+          </a:p>
+        </p:txBody>
+      </p:sp>
+      <p:sp>
+        <p:nvSpPr>
+          <p:cNvPr id="117" name="CustomShape 3"/>
+          <p:cNvSpPr/>
+          <p:nvPr/>
+        </p:nvSpPr>
+        <p:spPr>
+          <a:xfrm>
+            <a:off x="0" y="0"/>
+            <a:ext cx="8128440" cy="1575000"/>
+          </a:xfrm>
+          <a:prstGeom prst="rect">
+            <a:avLst/>
+          </a:prstGeom>
+          <a:gradFill rotWithShape="0">
+            <a:gsLst>
+              <a:gs pos="26000">
+                <a:srgbClr val="C49FD3">
+                  <a:alpha val="0"/>
+                </a:srgbClr>
+              </a:gs>
+              <a:gs pos="100000">
+                <a:srgbClr val="9C5FB5">
+                  <a:alpha val="41176"/>
+                </a:srgbClr>
+              </a:gs>
+            </a:gsLst>
+            <a:lin ang="19200000"/>
+          </a:gradFill>
+          <a:ln>
+            <a:noFill/>
+          </a:ln>
+        </p:spPr>
+        <p:style>
+          <a:lnRef idx="2">
+            <a:schemeClr val="accent1">
+              <a:shade val="50000"/>
+            </a:schemeClr>
+          </a:lnRef>
+          <a:fillRef idx="1">
+            <a:schemeClr val="accent1"/>
+          </a:fillRef>
+          <a:effectRef idx="0">
+            <a:schemeClr val="accent1"/>
+          </a:effectRef>
+          <a:fontRef idx="minor"/>
+        </p:style>
+        <p:txBody>
+          <a:bodyPr/>
+          <a:lstStyle/>
+          <a:p>
+            <a:endParaRPr lang="en-GB"/>
+          </a:p>
+        </p:txBody>
+      </p:sp>
+      <p:sp>
+        <p:nvSpPr>
+          <p:cNvPr id="118" name="CustomShape 4"/>
+          <p:cNvSpPr/>
+          <p:nvPr/>
+        </p:nvSpPr>
+        <p:spPr>
+          <a:xfrm flipH="1">
+            <a:off x="0" y="0"/>
+            <a:ext cx="12191760" cy="1573920"/>
+          </a:xfrm>
+          <a:prstGeom prst="rect">
+            <a:avLst/>
+          </a:prstGeom>
+          <a:gradFill rotWithShape="0">
+            <a:gsLst>
+              <a:gs pos="22000">
+                <a:srgbClr val="9C5FB5">
+                  <a:alpha val="15294"/>
+                </a:srgbClr>
+              </a:gs>
+              <a:gs pos="100000">
+                <a:srgbClr val="000000">
+                  <a:alpha val="63137"/>
+                </a:srgbClr>
+              </a:gs>
+            </a:gsLst>
+            <a:lin ang="6000000"/>
+          </a:gradFill>
+          <a:ln>
+            <a:noFill/>
+          </a:ln>
+        </p:spPr>
+        <p:style>
+          <a:lnRef idx="2">
+            <a:schemeClr val="accent1">
+              <a:shade val="50000"/>
+            </a:schemeClr>
+          </a:lnRef>
+          <a:fillRef idx="1">
+            <a:schemeClr val="accent1"/>
+          </a:fillRef>
+          <a:effectRef idx="0">
+            <a:schemeClr val="accent1"/>
+          </a:effectRef>
+          <a:fontRef idx="minor"/>
+        </p:style>
+        <p:txBody>
+          <a:bodyPr/>
+          <a:lstStyle/>
+          <a:p>
+            <a:endParaRPr lang="en-GB"/>
+          </a:p>
+        </p:txBody>
+      </p:sp>
+      <p:sp>
+        <p:nvSpPr>
+          <p:cNvPr id="119" name="TextShape 5"/>
+          <p:cNvSpPr txBox="1"/>
+          <p:nvPr/>
+        </p:nvSpPr>
+        <p:spPr>
+          <a:xfrm>
+            <a:off x="290880" y="158400"/>
+            <a:ext cx="7063200" cy="1158840"/>
+          </a:xfrm>
+          <a:prstGeom prst="rect">
+            <a:avLst/>
+          </a:prstGeom>
+          <a:noFill/>
+          <a:ln>
+            <a:noFill/>
+          </a:ln>
+        </p:spPr>
+        <p:txBody>
+          <a:bodyPr anchor="ctr">
+            <a:normAutofit/>
+          </a:bodyPr>
+          <a:lstStyle/>
+          <a:p>
+            <a:pPr>
+              <a:lnSpc>
+                <a:spcPct val="90000"/>
+              </a:lnSpc>
+            </a:pPr>
+            <a:r>
+              <a:rPr lang="en-US" sz="2400" b="0" strike="noStrike" spc="-202">
+                <a:solidFill>
+                  <a:srgbClr val="FFFFFF"/>
+                </a:solidFill>
+                <a:latin typeface="Arial"/>
+              </a:rPr>
+              <a:t> </a:t>
+            </a:r>
+            <a:br/>
+            <a:br/>
+            <a:endParaRPr lang="en-US" sz="2400" b="0" strike="noStrike" spc="-1">
+              <a:solidFill>
+                <a:srgbClr val="203232"/>
+              </a:solidFill>
+              <a:latin typeface="Arial"/>
+            </a:endParaRPr>
+          </a:p>
+        </p:txBody>
+      </p:sp>
+      <p:sp>
+        <p:nvSpPr>
+          <p:cNvPr id="120" name="TextShape 6"/>
+          <p:cNvSpPr txBox="1"/>
+          <p:nvPr/>
+        </p:nvSpPr>
+        <p:spPr>
+          <a:xfrm>
+            <a:off x="8217720" y="343800"/>
+            <a:ext cx="3386160" cy="1158840"/>
+          </a:xfrm>
+          <a:prstGeom prst="rect">
+            <a:avLst/>
+          </a:prstGeom>
+          <a:noFill/>
+          <a:ln>
+            <a:noFill/>
+          </a:ln>
+        </p:spPr>
+        <p:txBody>
+          <a:bodyPr anchor="ctr">
+            <a:noAutofit/>
+          </a:bodyPr>
+          <a:lstStyle/>
+          <a:p>
+            <a:pPr>
+              <a:lnSpc>
+                <a:spcPts val="2880"/>
+              </a:lnSpc>
+              <a:spcAft>
+                <a:spcPts val="992"/>
+              </a:spcAft>
+              <a:tabLst>
+                <a:tab pos="0" algn="l"/>
+              </a:tabLst>
+            </a:pPr>
+            <a:r>
+              <a:rPr lang="en-GB" sz="3200" b="0" strike="noStrike" spc="-100">
+                <a:solidFill>
+                  <a:srgbClr val="FFFFFF"/>
+                </a:solidFill>
+                <a:latin typeface="Arial"/>
+              </a:rPr>
+              <a:t>Our RQ asks about Correlation</a:t>
+            </a:r>
+            <a:endParaRPr lang="en-US" sz="3200" b="0" strike="noStrike" spc="-1">
+              <a:latin typeface="Arial"/>
+            </a:endParaRPr>
+          </a:p>
+        </p:txBody>
+      </p:sp>
+      <p:sp>
+        <p:nvSpPr>
+          <p:cNvPr id="121" name="TextShape 7"/>
+          <p:cNvSpPr txBox="1"/>
+          <p:nvPr/>
+        </p:nvSpPr>
+        <p:spPr>
+          <a:xfrm>
+            <a:off x="11704320" y="6455520"/>
+            <a:ext cx="447840" cy="364680"/>
+          </a:xfrm>
+          <a:prstGeom prst="rect">
+            <a:avLst/>
+          </a:prstGeom>
+          <a:noFill/>
+          <a:ln>
+            <a:noFill/>
+          </a:ln>
+        </p:spPr>
+        <p:txBody>
+          <a:bodyPr anchor="ctr">
+            <a:normAutofit/>
+          </a:bodyPr>
+          <a:lstStyle/>
+          <a:p>
+            <a:pPr algn="r">
+              <a:lnSpc>
+                <a:spcPct val="100000"/>
+              </a:lnSpc>
+              <a:spcAft>
+                <a:spcPts val="601"/>
+              </a:spcAft>
+            </a:pPr>
+            <a:fld id="{3AD1EC97-2E3A-4B5A-93B5-9F892C3DC423}" type="slidenum">
+              <a:rPr lang="en-US" sz="1100" b="1" strike="noStrike" spc="-1">
+                <a:solidFill>
+                  <a:srgbClr val="7DABAB"/>
+                </a:solidFill>
+                <a:latin typeface="Arial"/>
+              </a:rPr>
+              <a:t>5</a:t>
+            </a:fld>
+            <a:endParaRPr lang="en-US" sz="1100" b="0" strike="noStrike" spc="-1">
+              <a:latin typeface="Times New Roman"/>
+            </a:endParaRPr>
+          </a:p>
+        </p:txBody>
+      </p:sp>
+      <p:sp>
+        <p:nvSpPr>
+          <p:cNvPr id="122" name="CustomShape 8"/>
+          <p:cNvSpPr/>
+          <p:nvPr/>
+        </p:nvSpPr>
+        <p:spPr>
+          <a:xfrm>
+            <a:off x="366120" y="197640"/>
+            <a:ext cx="6988320" cy="1187640"/>
+          </a:xfrm>
+          <a:prstGeom prst="rect">
+            <a:avLst/>
+          </a:prstGeom>
+          <a:noFill/>
+          <a:ln>
+            <a:noFill/>
+          </a:ln>
+        </p:spPr>
+        <p:style>
+          <a:lnRef idx="0">
+            <a:scrgbClr r="0" g="0" b="0"/>
+          </a:lnRef>
+          <a:fillRef idx="0">
+            <a:scrgbClr r="0" g="0" b="0"/>
+          </a:fillRef>
+          <a:effectRef idx="0">
+            <a:scrgbClr r="0" g="0" b="0"/>
+          </a:effectRef>
+          <a:fontRef idx="minor"/>
+        </p:style>
+        <p:txBody>
+          <a:bodyPr lIns="90000" tIns="45000" rIns="90000" bIns="45000">
+            <a:spAutoFit/>
+          </a:bodyPr>
+          <a:lstStyle/>
+          <a:p>
+            <a:pPr>
+              <a:lnSpc>
+                <a:spcPct val="100000"/>
+              </a:lnSpc>
+            </a:pPr>
+            <a:r>
+              <a:rPr lang="en-GB" sz="2400" b="0" strike="noStrike" spc="-1" dirty="0">
+                <a:solidFill>
+                  <a:srgbClr val="FFFFFF"/>
+                </a:solidFill>
+                <a:latin typeface="Arial"/>
+              </a:rPr>
+              <a:t>Here is a </a:t>
+            </a:r>
+            <a:r>
+              <a:rPr lang="en-GB" sz="2400" b="1" strike="noStrike" spc="-1" dirty="0">
+                <a:solidFill>
+                  <a:srgbClr val="FFFFFF"/>
+                </a:solidFill>
+                <a:latin typeface="Arial"/>
+              </a:rPr>
+              <a:t>Histogram </a:t>
+            </a:r>
+            <a:r>
+              <a:rPr lang="en-GB" sz="2400" b="0" strike="noStrike" spc="-1" dirty="0">
+                <a:solidFill>
+                  <a:srgbClr val="FFFFFF"/>
+                </a:solidFill>
+                <a:latin typeface="Arial"/>
+              </a:rPr>
+              <a:t>showing the frequencies of our dependent variable(</a:t>
+            </a:r>
+            <a:r>
+              <a:rPr lang="en-US" sz="2400" b="0" dirty="0">
+                <a:solidFill>
+                  <a:schemeClr val="bg2"/>
+                </a:solidFill>
+                <a:latin typeface="Calibri"/>
+                <a:cs typeface="Calibri"/>
+              </a:rPr>
+              <a:t>avg_vote</a:t>
+            </a:r>
+            <a:r>
+              <a:rPr lang="en-GB" sz="2400" b="0" strike="noStrike" spc="-1" dirty="0">
+                <a:solidFill>
+                  <a:srgbClr val="FFFFFF"/>
+                </a:solidFill>
+                <a:latin typeface="Arial"/>
+              </a:rPr>
+              <a:t>) to include the normal curve overlay</a:t>
+            </a:r>
+            <a:r>
+              <a:rPr lang="en-GB" sz="1800" b="0" strike="noStrike" spc="-1" dirty="0">
+                <a:solidFill>
+                  <a:srgbClr val="203232"/>
+                </a:solidFill>
+                <a:latin typeface="Arial"/>
+              </a:rPr>
+              <a:t>.</a:t>
+            </a:r>
+            <a:endParaRPr lang="en-US" sz="1800" b="0" strike="noStrike" spc="-1" dirty="0">
+              <a:latin typeface="Arial"/>
+            </a:endParaRPr>
+          </a:p>
+        </p:txBody>
+      </p:sp>
+      <p:sp>
+        <p:nvSpPr>
+          <p:cNvPr id="123" name="CustomShape 9"/>
+          <p:cNvSpPr/>
+          <p:nvPr/>
+        </p:nvSpPr>
+        <p:spPr>
+          <a:xfrm>
+            <a:off x="182880" y="1645920"/>
+            <a:ext cx="11722680" cy="5046840"/>
+          </a:xfrm>
+          <a:prstGeom prst="roundRect">
+            <a:avLst>
+              <a:gd name="adj" fmla="val 16667"/>
+            </a:avLst>
+          </a:prstGeom>
+          <a:solidFill>
+            <a:schemeClr val="accent1">
+              <a:lumMod val="20000"/>
+              <a:lumOff val="80000"/>
+            </a:schemeClr>
+          </a:solidFill>
+          <a:ln/>
+        </p:spPr>
+        <p:style>
+          <a:lnRef idx="2">
+            <a:schemeClr val="accent1">
+              <a:shade val="50000"/>
+            </a:schemeClr>
+          </a:lnRef>
+          <a:fillRef idx="1">
+            <a:schemeClr val="accent1"/>
+          </a:fillRef>
+          <a:effectRef idx="0">
+            <a:schemeClr val="accent1"/>
+          </a:effectRef>
+          <a:fontRef idx="minor"/>
+        </p:style>
+        <p:txBody>
+          <a:bodyPr lIns="90000" tIns="45000" rIns="90000" bIns="45000" anchor="ctr">
+            <a:noAutofit/>
+          </a:bodyPr>
+          <a:lstStyle/>
+          <a:p>
+            <a:pPr>
+              <a:lnSpc>
+                <a:spcPct val="100000"/>
+              </a:lnSpc>
+            </a:pPr>
+            <a:endParaRPr lang="en-US" sz="1800" b="0" strike="noStrike" spc="-1" dirty="0">
+              <a:latin typeface="Arial"/>
+            </a:endParaRPr>
+          </a:p>
+          <a:p>
+            <a:pPr>
+              <a:lnSpc>
+                <a:spcPct val="100000"/>
+              </a:lnSpc>
+            </a:pPr>
+            <a:endParaRPr lang="en-US" sz="1800" b="0" strike="noStrike" spc="-1" dirty="0">
+              <a:latin typeface="Arial"/>
+            </a:endParaRPr>
+          </a:p>
+          <a:p>
+            <a:pPr>
+              <a:lnSpc>
+                <a:spcPct val="100000"/>
+              </a:lnSpc>
+            </a:pPr>
+            <a:endParaRPr lang="en-US" sz="1800" b="0" strike="noStrike" spc="-1" dirty="0">
+              <a:latin typeface="Arial"/>
+            </a:endParaRPr>
+          </a:p>
+          <a:p>
+            <a:pPr>
+              <a:lnSpc>
+                <a:spcPct val="100000"/>
+              </a:lnSpc>
+            </a:pPr>
+            <a:endParaRPr lang="en-US" sz="1800" b="0" strike="noStrike" spc="-1" dirty="0">
+              <a:latin typeface="Arial"/>
+            </a:endParaRPr>
+          </a:p>
+          <a:p>
+            <a:pPr>
+              <a:lnSpc>
+                <a:spcPct val="100000"/>
+              </a:lnSpc>
+            </a:pPr>
+            <a:endParaRPr lang="en-US" sz="1800" b="0" strike="noStrike" spc="-1" dirty="0">
+              <a:latin typeface="Arial"/>
+            </a:endParaRPr>
+          </a:p>
+          <a:p>
+            <a:pPr>
+              <a:lnSpc>
+                <a:spcPct val="100000"/>
+              </a:lnSpc>
+            </a:pPr>
+            <a:endParaRPr lang="en-US" sz="1800" b="0" strike="noStrike" spc="-1" dirty="0">
+              <a:latin typeface="Arial"/>
+            </a:endParaRPr>
+          </a:p>
+          <a:p>
+            <a:pPr>
+              <a:lnSpc>
+                <a:spcPct val="100000"/>
+              </a:lnSpc>
+            </a:pPr>
+            <a:endParaRPr lang="en-US" sz="1800" b="0" strike="noStrike" spc="-1" dirty="0">
+              <a:latin typeface="Arial"/>
+            </a:endParaRPr>
+          </a:p>
+          <a:p>
+            <a:pPr>
+              <a:lnSpc>
+                <a:spcPct val="100000"/>
+              </a:lnSpc>
+            </a:pPr>
+            <a:endParaRPr lang="en-US" sz="1800" b="0" strike="noStrike" spc="-1" dirty="0">
+              <a:latin typeface="Arial"/>
+            </a:endParaRPr>
+          </a:p>
+          <a:p>
+            <a:pPr>
+              <a:lnSpc>
+                <a:spcPct val="100000"/>
+              </a:lnSpc>
+            </a:pPr>
+            <a:endParaRPr lang="en-US" sz="1800" b="0" strike="noStrike" spc="-1" dirty="0">
+              <a:latin typeface="Arial"/>
+            </a:endParaRPr>
+          </a:p>
+          <a:p>
+            <a:pPr>
+              <a:lnSpc>
+                <a:spcPct val="100000"/>
+              </a:lnSpc>
+            </a:pPr>
+            <a:endParaRPr lang="en-US" sz="1800" b="0" strike="noStrike" spc="-1" dirty="0">
+              <a:latin typeface="Arial"/>
+            </a:endParaRPr>
+          </a:p>
+          <a:p>
+            <a:pPr>
+              <a:lnSpc>
+                <a:spcPct val="100000"/>
+              </a:lnSpc>
+            </a:pPr>
+            <a:endParaRPr lang="en-US" sz="1800" b="0" strike="noStrike" spc="-1" dirty="0">
+              <a:latin typeface="Arial"/>
+            </a:endParaRPr>
+          </a:p>
+          <a:p>
+            <a:pPr>
+              <a:lnSpc>
+                <a:spcPct val="100000"/>
+              </a:lnSpc>
+            </a:pPr>
+            <a:endParaRPr lang="en-US" sz="1800" b="0" strike="noStrike" spc="-1" dirty="0">
+              <a:latin typeface="Arial"/>
+            </a:endParaRPr>
+          </a:p>
+          <a:p>
+            <a:pPr>
+              <a:lnSpc>
+                <a:spcPct val="100000"/>
+              </a:lnSpc>
+            </a:pPr>
+            <a:endParaRPr lang="en-US" sz="1800" b="0" strike="noStrike" spc="-1" dirty="0">
+              <a:latin typeface="Arial"/>
+            </a:endParaRPr>
+          </a:p>
+          <a:p>
+            <a:pPr>
+              <a:lnSpc>
+                <a:spcPct val="100000"/>
+              </a:lnSpc>
+            </a:pPr>
+            <a:endParaRPr lang="en-US" sz="1800" b="0" strike="noStrike" spc="-1" dirty="0">
+              <a:latin typeface="Arial"/>
+            </a:endParaRPr>
+          </a:p>
+          <a:p>
+            <a:pPr>
+              <a:lnSpc>
+                <a:spcPct val="100000"/>
+              </a:lnSpc>
+            </a:pPr>
+            <a:endParaRPr lang="en-US" sz="1800" b="0" strike="noStrike" spc="-1" dirty="0">
+              <a:latin typeface="Arial"/>
+            </a:endParaRPr>
+          </a:p>
+        </p:txBody>
+      </p:sp>
+      <p:sp>
+        <p:nvSpPr>
+          <p:cNvPr id="124" name="CustomShape 10"/>
+          <p:cNvSpPr/>
+          <p:nvPr/>
+        </p:nvSpPr>
+        <p:spPr>
+          <a:xfrm>
+            <a:off x="6412680" y="2012760"/>
+            <a:ext cx="5057640" cy="4205160"/>
+          </a:xfrm>
+          <a:prstGeom prst="rect">
+            <a:avLst/>
+          </a:prstGeom>
+          <a:noFill/>
+          <a:ln>
+            <a:noFill/>
+          </a:ln>
+        </p:spPr>
+        <p:style>
+          <a:lnRef idx="0">
+            <a:scrgbClr r="0" g="0" b="0"/>
+          </a:lnRef>
+          <a:fillRef idx="0">
+            <a:scrgbClr r="0" g="0" b="0"/>
+          </a:fillRef>
+          <a:effectRef idx="0">
+            <a:scrgbClr r="0" g="0" b="0"/>
+          </a:effectRef>
+          <a:fontRef idx="minor"/>
+        </p:style>
+        <p:txBody>
+          <a:bodyPr lIns="90000" tIns="45000" rIns="90000" bIns="45000">
+            <a:spAutoFit/>
+          </a:bodyPr>
+          <a:lstStyle/>
+          <a:p>
+            <a:pPr>
+              <a:lnSpc>
+                <a:spcPct val="100000"/>
+              </a:lnSpc>
+            </a:pPr>
+            <a:r>
+              <a:rPr lang="en-GB" sz="1800" b="0" strike="noStrike" spc="-1" dirty="0">
+                <a:solidFill>
+                  <a:srgbClr val="203232"/>
+                </a:solidFill>
+                <a:latin typeface="Arial"/>
+              </a:rPr>
+              <a:t>Choose one:</a:t>
+            </a:r>
+            <a:endParaRPr lang="en-US" sz="1800" b="0" strike="noStrike" spc="-1" dirty="0">
+              <a:latin typeface="Arial"/>
+            </a:endParaRPr>
+          </a:p>
+          <a:p>
+            <a:pPr>
+              <a:lnSpc>
+                <a:spcPct val="100000"/>
+              </a:lnSpc>
+            </a:pPr>
+            <a:r>
+              <a:rPr lang="en-GB" sz="1800" b="0" strike="noStrike" spc="-1" dirty="0">
+                <a:solidFill>
+                  <a:srgbClr val="203232"/>
+                </a:solidFill>
+                <a:latin typeface="Arial"/>
+              </a:rPr>
+              <a:t>1. The blue normal curve overlay follows the contours of the underlying data, so for our analysis we will use a parametric test for correlation:  </a:t>
+            </a:r>
+            <a:r>
+              <a:rPr lang="en-GB" sz="1800" b="0" strike="noStrike" spc="-1" dirty="0">
+                <a:solidFill>
+                  <a:srgbClr val="0073CF"/>
+                </a:solidFill>
+                <a:latin typeface="Arial"/>
+              </a:rPr>
+              <a:t>Pearson’s r</a:t>
+            </a:r>
+            <a:endParaRPr lang="en-US" sz="1800" b="0" strike="noStrike" spc="-1" dirty="0">
+              <a:latin typeface="Arial"/>
+            </a:endParaRPr>
+          </a:p>
+          <a:p>
+            <a:pPr>
+              <a:lnSpc>
+                <a:spcPct val="100000"/>
+              </a:lnSpc>
+            </a:pPr>
+            <a:r>
+              <a:rPr lang="en-GB" sz="1800" b="0" strike="noStrike" spc="-1" dirty="0">
+                <a:solidFill>
+                  <a:srgbClr val="0073CF"/>
+                </a:solidFill>
+                <a:latin typeface="Arial"/>
+              </a:rPr>
+              <a:t>OR</a:t>
+            </a:r>
+            <a:endParaRPr lang="en-US" sz="1800" b="0" strike="noStrike" spc="-1" dirty="0">
+              <a:latin typeface="Arial"/>
+            </a:endParaRPr>
+          </a:p>
+          <a:p>
+            <a:pPr>
+              <a:lnSpc>
+                <a:spcPct val="100000"/>
+              </a:lnSpc>
+            </a:pPr>
+            <a:r>
+              <a:rPr lang="en-GB" sz="1800" b="0" strike="noStrike" spc="-1" dirty="0">
+                <a:solidFill>
+                  <a:srgbClr val="203232"/>
+                </a:solidFill>
+                <a:latin typeface="Arial"/>
+              </a:rPr>
+              <a:t>The normal curve overlay </a:t>
+            </a:r>
+            <a:r>
+              <a:rPr lang="en-GB" sz="1800" b="1" strike="noStrike" spc="-1" dirty="0">
+                <a:solidFill>
+                  <a:srgbClr val="203232"/>
+                </a:solidFill>
+                <a:latin typeface="Arial"/>
+              </a:rPr>
+              <a:t>does not follow </a:t>
+            </a:r>
+            <a:r>
+              <a:rPr lang="en-GB" sz="1800" b="0" strike="noStrike" spc="-1" dirty="0">
+                <a:solidFill>
+                  <a:srgbClr val="203232"/>
+                </a:solidFill>
+                <a:latin typeface="Arial"/>
+              </a:rPr>
+              <a:t>the shape of the underlying data, so for our analysis we  use the non-parametric test for correlation that does not assume normality: </a:t>
+            </a:r>
+            <a:r>
+              <a:rPr lang="en-GB" sz="1800" b="0" strike="noStrike" spc="-1" dirty="0">
+                <a:solidFill>
+                  <a:srgbClr val="0073CF"/>
+                </a:solidFill>
+                <a:latin typeface="Arial"/>
+              </a:rPr>
+              <a:t>Spearman’s Rho </a:t>
+            </a:r>
+            <a:r>
+              <a:rPr lang="en-GB" sz="1800" b="0" strike="noStrike" spc="-1" dirty="0">
+                <a:solidFill>
+                  <a:srgbClr val="203232"/>
+                </a:solidFill>
+                <a:latin typeface="Arial"/>
+              </a:rPr>
+              <a:t>or </a:t>
+            </a:r>
+            <a:r>
+              <a:rPr lang="en-GB" sz="1800" b="0" strike="noStrike" spc="-1" dirty="0">
+                <a:solidFill>
+                  <a:srgbClr val="0073CF"/>
+                </a:solidFill>
+                <a:latin typeface="Arial"/>
+              </a:rPr>
+              <a:t>Kendal’s Tau</a:t>
+            </a:r>
+            <a:endParaRPr lang="en-US" sz="1800" b="0" strike="noStrike" spc="-1" dirty="0">
+              <a:latin typeface="Arial"/>
+            </a:endParaRPr>
+          </a:p>
+          <a:p>
+            <a:pPr>
+              <a:lnSpc>
+                <a:spcPct val="100000"/>
+              </a:lnSpc>
+            </a:pPr>
+            <a:endParaRPr lang="en-US" sz="1800" b="0" strike="noStrike" spc="-1" dirty="0">
+              <a:latin typeface="Arial"/>
+            </a:endParaRPr>
+          </a:p>
+          <a:p>
+            <a:pPr>
+              <a:lnSpc>
+                <a:spcPct val="100000"/>
+              </a:lnSpc>
+            </a:pPr>
+            <a:r>
+              <a:rPr lang="en-GB" sz="1800" b="0" strike="noStrike" spc="-1" dirty="0">
+                <a:solidFill>
+                  <a:srgbClr val="0073CF"/>
+                </a:solidFill>
+                <a:latin typeface="Arial"/>
+              </a:rPr>
+              <a:t>The example here is borderline, in terms of shape, so when in doubt choose the non-parametric equivalent.</a:t>
+            </a:r>
+            <a:endParaRPr lang="en-US" sz="1800" b="0" strike="noStrike" spc="-1" dirty="0">
+              <a:latin typeface="Arial"/>
+            </a:endParaRPr>
+          </a:p>
+        </p:txBody>
+      </p:sp>
+      <p:pic>
+        <p:nvPicPr>
+          <p:cNvPr id="2" name="Picture 1">
+            <a:extLst>
+              <a:ext uri="{FF2B5EF4-FFF2-40B4-BE49-F238E27FC236}">
+                <a16:creationId xmlns:a16="http://schemas.microsoft.com/office/drawing/2014/main" id="{656979B5-5B10-F44B-EB89-DB63D96C1FB8}"/>
+              </a:ext>
+            </a:extLst>
+          </p:cNvPr>
+          <p:cNvPicPr>
+            <a:picLocks noChangeAspect="1"/>
+          </p:cNvPicPr>
+          <p:nvPr/>
+        </p:nvPicPr>
+        <p:blipFill>
+          <a:blip r:embed="rId3"/>
+          <a:stretch>
+            <a:fillRect/>
+          </a:stretch>
+        </p:blipFill>
+        <p:spPr>
+          <a:xfrm>
+            <a:off x="366121" y="2154344"/>
+            <a:ext cx="5760360" cy="3441515"/>
+          </a:xfrm>
+          <a:prstGeom prst="rect">
+            <a:avLst/>
+          </a:prstGeom>
+        </p:spPr>
+      </p:pic>
+    </p:spTree>
+  </p:cSld>
+  <p:clrMapOvr>
+    <a:masterClrMapping/>
+  </p:clrMapOvr>
+</p:sld>
+</file>
+
+<file path=ppt/slides/slide6.xml><?xml version="1.0" encoding="utf-8"?>
+<p:sld xmlns:a="http://schemas.openxmlformats.org/drawingml/2006/main" xmlns:r="http://schemas.openxmlformats.org/officeDocument/2006/relationships" xmlns:p="http://schemas.openxmlformats.org/presentationml/2006/main">
+  <p:cSld>
+    <p:spTree>
+      <p:nvGrpSpPr>
+        <p:cNvPr id="1" name=""/>
+        <p:cNvGrpSpPr/>
+        <p:nvPr/>
+      </p:nvGrpSpPr>
+      <p:grpSpPr>
+        <a:xfrm>
+          <a:off x="0" y="0"/>
+          <a:ext cx="0" cy="0"/>
+          <a:chOff x="0" y="0"/>
+          <a:chExt cx="0" cy="0"/>
+        </a:xfrm>
+      </p:grpSpPr>
+      <p:sp>
+        <p:nvSpPr>
+          <p:cNvPr id="115" name="CustomShape 1"/>
+          <p:cNvSpPr/>
+          <p:nvPr/>
+        </p:nvSpPr>
+        <p:spPr>
+          <a:xfrm>
+            <a:off x="0" y="0"/>
+            <a:ext cx="12191760" cy="6857640"/>
+          </a:xfrm>
+          <a:prstGeom prst="rect">
+            <a:avLst/>
+          </a:prstGeom>
+          <a:solidFill>
+            <a:schemeClr val="bg1"/>
+          </a:solidFill>
+          <a:ln>
+            <a:noFill/>
+          </a:ln>
+        </p:spPr>
+        <p:style>
+          <a:lnRef idx="2">
+            <a:schemeClr val="accent1">
+              <a:shade val="50000"/>
+            </a:schemeClr>
+          </a:lnRef>
+          <a:fillRef idx="1">
+            <a:schemeClr val="accent1"/>
+          </a:fillRef>
+          <a:effectRef idx="0">
+            <a:schemeClr val="accent1"/>
+          </a:effectRef>
+          <a:fontRef idx="minor"/>
+        </p:style>
+        <p:txBody>
+          <a:bodyPr/>
+          <a:lstStyle/>
+          <a:p>
+            <a:endParaRPr lang="en-GB"/>
+          </a:p>
+        </p:txBody>
+      </p:sp>
+      <p:sp>
+        <p:nvSpPr>
+          <p:cNvPr id="116" name="CustomShape 2"/>
+          <p:cNvSpPr/>
+          <p:nvPr/>
+        </p:nvSpPr>
+        <p:spPr>
+          <a:xfrm rot="10800000" flipH="1">
+            <a:off x="360" y="360"/>
+            <a:ext cx="12191760" cy="1575720"/>
+          </a:xfrm>
+          <a:prstGeom prst="rect">
+            <a:avLst/>
+          </a:prstGeom>
+          <a:gradFill rotWithShape="0">
+            <a:gsLst>
+              <a:gs pos="0">
+                <a:srgbClr val="000000">
+                  <a:alpha val="96078"/>
+                </a:srgbClr>
+              </a:gs>
+              <a:gs pos="100000">
+                <a:srgbClr val="77418E"/>
+              </a:gs>
+            </a:gsLst>
+            <a:lin ang="15600000"/>
+          </a:gradFill>
+          <a:ln>
+            <a:noFill/>
+          </a:ln>
+        </p:spPr>
+        <p:style>
+          <a:lnRef idx="2">
+            <a:schemeClr val="accent1">
+              <a:shade val="50000"/>
+            </a:schemeClr>
+          </a:lnRef>
+          <a:fillRef idx="1">
+            <a:schemeClr val="accent1"/>
+          </a:fillRef>
+          <a:effectRef idx="0">
+            <a:schemeClr val="accent1"/>
+          </a:effectRef>
+          <a:fontRef idx="minor"/>
+        </p:style>
+        <p:txBody>
+          <a:bodyPr/>
+          <a:lstStyle/>
+          <a:p>
+            <a:endParaRPr lang="en-GB"/>
+          </a:p>
+        </p:txBody>
+      </p:sp>
+      <p:sp>
+        <p:nvSpPr>
+          <p:cNvPr id="117" name="CustomShape 3"/>
+          <p:cNvSpPr/>
+          <p:nvPr/>
+        </p:nvSpPr>
+        <p:spPr>
+          <a:xfrm>
+            <a:off x="0" y="0"/>
+            <a:ext cx="8128440" cy="1575000"/>
+          </a:xfrm>
+          <a:prstGeom prst="rect">
+            <a:avLst/>
+          </a:prstGeom>
+          <a:gradFill rotWithShape="0">
+            <a:gsLst>
+              <a:gs pos="26000">
+                <a:srgbClr val="C49FD3">
+                  <a:alpha val="0"/>
+                </a:srgbClr>
+              </a:gs>
+              <a:gs pos="100000">
+                <a:srgbClr val="9C5FB5">
+                  <a:alpha val="41176"/>
+                </a:srgbClr>
+              </a:gs>
+            </a:gsLst>
+            <a:lin ang="19200000"/>
+          </a:gradFill>
+          <a:ln>
+            <a:noFill/>
+          </a:ln>
+        </p:spPr>
+        <p:style>
+          <a:lnRef idx="2">
+            <a:schemeClr val="accent1">
+              <a:shade val="50000"/>
+            </a:schemeClr>
+          </a:lnRef>
+          <a:fillRef idx="1">
+            <a:schemeClr val="accent1"/>
+          </a:fillRef>
+          <a:effectRef idx="0">
+            <a:schemeClr val="accent1"/>
+          </a:effectRef>
+          <a:fontRef idx="minor"/>
+        </p:style>
+        <p:txBody>
+          <a:bodyPr/>
+          <a:lstStyle/>
+          <a:p>
+            <a:endParaRPr lang="en-GB"/>
+          </a:p>
+        </p:txBody>
+      </p:sp>
+      <p:sp>
+        <p:nvSpPr>
+          <p:cNvPr id="118" name="CustomShape 4"/>
+          <p:cNvSpPr/>
+          <p:nvPr/>
+        </p:nvSpPr>
+        <p:spPr>
+          <a:xfrm flipH="1">
+            <a:off x="0" y="0"/>
+            <a:ext cx="12191760" cy="1573920"/>
+          </a:xfrm>
+          <a:prstGeom prst="rect">
+            <a:avLst/>
+          </a:prstGeom>
+          <a:gradFill rotWithShape="0">
+            <a:gsLst>
+              <a:gs pos="22000">
+                <a:srgbClr val="9C5FB5">
+                  <a:alpha val="15294"/>
+                </a:srgbClr>
+              </a:gs>
+              <a:gs pos="100000">
+                <a:srgbClr val="000000">
+                  <a:alpha val="63137"/>
+                </a:srgbClr>
+              </a:gs>
+            </a:gsLst>
+            <a:lin ang="6000000"/>
+          </a:gradFill>
+          <a:ln>
+            <a:noFill/>
+          </a:ln>
+        </p:spPr>
+        <p:style>
+          <a:lnRef idx="2">
+            <a:schemeClr val="accent1">
+              <a:shade val="50000"/>
+            </a:schemeClr>
+          </a:lnRef>
+          <a:fillRef idx="1">
+            <a:schemeClr val="accent1"/>
+          </a:fillRef>
+          <a:effectRef idx="0">
+            <a:schemeClr val="accent1"/>
+          </a:effectRef>
+          <a:fontRef idx="minor"/>
+        </p:style>
+        <p:txBody>
+          <a:bodyPr/>
+          <a:lstStyle/>
+          <a:p>
+            <a:endParaRPr lang="en-GB"/>
+          </a:p>
+        </p:txBody>
+      </p:sp>
+      <p:sp>
+        <p:nvSpPr>
+          <p:cNvPr id="119" name="TextShape 5"/>
+          <p:cNvSpPr txBox="1"/>
+          <p:nvPr/>
+        </p:nvSpPr>
+        <p:spPr>
+          <a:xfrm>
+            <a:off x="290880" y="158400"/>
+            <a:ext cx="7063200" cy="1158840"/>
+          </a:xfrm>
+          <a:prstGeom prst="rect">
+            <a:avLst/>
+          </a:prstGeom>
+          <a:noFill/>
+          <a:ln>
+            <a:noFill/>
+          </a:ln>
+        </p:spPr>
+        <p:txBody>
+          <a:bodyPr anchor="ctr">
+            <a:normAutofit/>
+          </a:bodyPr>
+          <a:lstStyle/>
+          <a:p>
+            <a:pPr>
+              <a:lnSpc>
+                <a:spcPct val="90000"/>
+              </a:lnSpc>
+            </a:pPr>
+            <a:r>
+              <a:rPr lang="en-US" sz="2400" b="0" strike="noStrike" spc="-202">
+                <a:solidFill>
+                  <a:srgbClr val="FFFFFF"/>
+                </a:solidFill>
+                <a:latin typeface="Arial"/>
+              </a:rPr>
+              <a:t> </a:t>
+            </a:r>
+            <a:br/>
+            <a:br/>
+            <a:endParaRPr lang="en-US" sz="2400" b="0" strike="noStrike" spc="-1">
+              <a:solidFill>
+                <a:srgbClr val="203232"/>
+              </a:solidFill>
+              <a:latin typeface="Arial"/>
+            </a:endParaRPr>
+          </a:p>
+        </p:txBody>
+      </p:sp>
+      <p:sp>
+        <p:nvSpPr>
+          <p:cNvPr id="120" name="TextShape 6"/>
+          <p:cNvSpPr txBox="1"/>
+          <p:nvPr/>
+        </p:nvSpPr>
+        <p:spPr>
+          <a:xfrm>
+            <a:off x="8217720" y="343800"/>
+            <a:ext cx="3386160" cy="1158840"/>
+          </a:xfrm>
+          <a:prstGeom prst="rect">
+            <a:avLst/>
+          </a:prstGeom>
+          <a:noFill/>
+          <a:ln>
+            <a:noFill/>
+          </a:ln>
+        </p:spPr>
+        <p:txBody>
+          <a:bodyPr anchor="ctr">
+            <a:noAutofit/>
+          </a:bodyPr>
+          <a:lstStyle/>
+          <a:p>
+            <a:pPr>
+              <a:lnSpc>
+                <a:spcPts val="2880"/>
+              </a:lnSpc>
+              <a:spcAft>
+                <a:spcPts val="992"/>
+              </a:spcAft>
+              <a:tabLst>
+                <a:tab pos="0" algn="l"/>
+              </a:tabLst>
+            </a:pPr>
+            <a:r>
+              <a:rPr lang="en-GB" sz="3200" b="0" strike="noStrike" spc="-100">
+                <a:solidFill>
+                  <a:srgbClr val="FFFFFF"/>
+                </a:solidFill>
+                <a:latin typeface="Arial"/>
+              </a:rPr>
+              <a:t>Our RQ asks about Correlation</a:t>
+            </a:r>
+            <a:endParaRPr lang="en-US" sz="3200" b="0" strike="noStrike" spc="-1">
+              <a:latin typeface="Arial"/>
+            </a:endParaRPr>
+          </a:p>
+        </p:txBody>
+      </p:sp>
+      <p:sp>
+        <p:nvSpPr>
+          <p:cNvPr id="121" name="TextShape 7"/>
+          <p:cNvSpPr txBox="1"/>
+          <p:nvPr/>
+        </p:nvSpPr>
+        <p:spPr>
+          <a:xfrm>
+            <a:off x="11704320" y="6455520"/>
+            <a:ext cx="447840" cy="364680"/>
+          </a:xfrm>
+          <a:prstGeom prst="rect">
+            <a:avLst/>
+          </a:prstGeom>
+          <a:noFill/>
+          <a:ln>
+            <a:noFill/>
+          </a:ln>
+        </p:spPr>
+        <p:txBody>
+          <a:bodyPr anchor="ctr">
+            <a:normAutofit/>
+          </a:bodyPr>
+          <a:lstStyle/>
+          <a:p>
+            <a:pPr algn="r">
+              <a:lnSpc>
+                <a:spcPct val="100000"/>
+              </a:lnSpc>
+              <a:spcAft>
+                <a:spcPts val="601"/>
+              </a:spcAft>
+            </a:pPr>
+            <a:fld id="{3AD1EC97-2E3A-4B5A-93B5-9F892C3DC423}" type="slidenum">
+              <a:rPr lang="en-US" sz="1100" b="1" strike="noStrike" spc="-1">
+                <a:solidFill>
+                  <a:srgbClr val="7DABAB"/>
+                </a:solidFill>
+                <a:latin typeface="Arial"/>
+              </a:rPr>
+              <a:t>6</a:t>
+            </a:fld>
+            <a:endParaRPr lang="en-US" sz="1100" b="0" strike="noStrike" spc="-1">
+              <a:latin typeface="Times New Roman"/>
+            </a:endParaRPr>
+          </a:p>
+        </p:txBody>
+      </p:sp>
+      <p:sp>
+        <p:nvSpPr>
+          <p:cNvPr id="122" name="CustomShape 8"/>
+          <p:cNvSpPr/>
+          <p:nvPr/>
+        </p:nvSpPr>
+        <p:spPr>
+          <a:xfrm>
+            <a:off x="366120" y="197640"/>
+            <a:ext cx="6988320" cy="1198875"/>
+          </a:xfrm>
+          <a:prstGeom prst="rect">
+            <a:avLst/>
+          </a:prstGeom>
+          <a:noFill/>
+          <a:ln>
+            <a:noFill/>
+          </a:ln>
+        </p:spPr>
+        <p:style>
+          <a:lnRef idx="0">
+            <a:scrgbClr r="0" g="0" b="0"/>
+          </a:lnRef>
+          <a:fillRef idx="0">
+            <a:scrgbClr r="0" g="0" b="0"/>
+          </a:fillRef>
+          <a:effectRef idx="0">
+            <a:scrgbClr r="0" g="0" b="0"/>
+          </a:effectRef>
+          <a:fontRef idx="minor"/>
+        </p:style>
+        <p:txBody>
+          <a:bodyPr lIns="90000" tIns="45000" rIns="90000" bIns="45000">
+            <a:spAutoFit/>
+          </a:bodyPr>
+          <a:lstStyle/>
+          <a:p>
+            <a:pPr>
+              <a:lnSpc>
+                <a:spcPct val="100000"/>
+              </a:lnSpc>
+            </a:pPr>
+            <a:r>
+              <a:rPr lang="en-GB" sz="2400" b="0" strike="noStrike" spc="-1" dirty="0">
+                <a:solidFill>
+                  <a:srgbClr val="FFFFFF"/>
+                </a:solidFill>
+                <a:latin typeface="Arial"/>
+              </a:rPr>
+              <a:t>Here is the </a:t>
+            </a:r>
+            <a:r>
+              <a:rPr lang="en-GB" sz="2400" b="1" strike="noStrike" spc="-1" dirty="0">
+                <a:solidFill>
+                  <a:srgbClr val="FFFFFF"/>
+                </a:solidFill>
+                <a:latin typeface="Arial"/>
+              </a:rPr>
+              <a:t>Scatter </a:t>
+            </a:r>
+            <a:r>
+              <a:rPr lang="en-US" sz="2400" b="0" strike="noStrike" spc="-1" dirty="0">
+                <a:solidFill>
+                  <a:srgbClr val="FFFFFF"/>
+                </a:solidFill>
+                <a:latin typeface="Arial"/>
+              </a:rPr>
+              <a:t>Plot of our independent (duration) vs. dependent (avg_vote) variables with trendline.</a:t>
+            </a:r>
+            <a:endParaRPr lang="en-US" sz="1800" b="0" strike="noStrike" spc="-1" dirty="0">
+              <a:latin typeface="Arial"/>
+            </a:endParaRPr>
+          </a:p>
+        </p:txBody>
+      </p:sp>
+      <p:sp>
+        <p:nvSpPr>
+          <p:cNvPr id="123" name="CustomShape 9"/>
+          <p:cNvSpPr/>
+          <p:nvPr/>
+        </p:nvSpPr>
+        <p:spPr>
+          <a:xfrm>
+            <a:off x="182880" y="1645920"/>
+            <a:ext cx="11722680" cy="5046840"/>
+          </a:xfrm>
+          <a:prstGeom prst="roundRect">
+            <a:avLst>
+              <a:gd name="adj" fmla="val 16667"/>
+            </a:avLst>
+          </a:prstGeom>
+          <a:solidFill>
+            <a:schemeClr val="accent1">
+              <a:lumMod val="20000"/>
+              <a:lumOff val="80000"/>
+            </a:schemeClr>
+          </a:solidFill>
+          <a:ln/>
+        </p:spPr>
+        <p:style>
+          <a:lnRef idx="2">
+            <a:schemeClr val="accent1">
+              <a:shade val="50000"/>
+            </a:schemeClr>
+          </a:lnRef>
+          <a:fillRef idx="1">
+            <a:schemeClr val="accent1"/>
+          </a:fillRef>
+          <a:effectRef idx="0">
+            <a:schemeClr val="accent1"/>
+          </a:effectRef>
+          <a:fontRef idx="minor"/>
+        </p:style>
+        <p:txBody>
+          <a:bodyPr lIns="90000" tIns="45000" rIns="90000" bIns="45000" anchor="ctr">
+            <a:noAutofit/>
+          </a:bodyPr>
+          <a:lstStyle/>
+          <a:p>
+            <a:pPr>
+              <a:lnSpc>
+                <a:spcPct val="100000"/>
+              </a:lnSpc>
+            </a:pPr>
+            <a:endParaRPr lang="en-US" sz="1800" b="0" strike="noStrike" spc="-1" dirty="0">
+              <a:latin typeface="Arial"/>
+            </a:endParaRPr>
+          </a:p>
+          <a:p>
+            <a:pPr>
+              <a:lnSpc>
+                <a:spcPct val="100000"/>
+              </a:lnSpc>
+            </a:pPr>
+            <a:endParaRPr lang="en-US" sz="1800" b="0" strike="noStrike" spc="-1" dirty="0">
+              <a:latin typeface="Arial"/>
+            </a:endParaRPr>
+          </a:p>
+          <a:p>
+            <a:pPr>
+              <a:lnSpc>
+                <a:spcPct val="100000"/>
+              </a:lnSpc>
+            </a:pPr>
+            <a:endParaRPr lang="en-US" sz="1800" b="0" strike="noStrike" spc="-1" dirty="0">
+              <a:latin typeface="Arial"/>
+            </a:endParaRPr>
+          </a:p>
+          <a:p>
+            <a:pPr>
+              <a:lnSpc>
+                <a:spcPct val="100000"/>
+              </a:lnSpc>
+            </a:pPr>
+            <a:endParaRPr lang="en-US" sz="1800" b="0" strike="noStrike" spc="-1" dirty="0">
+              <a:latin typeface="Arial"/>
+            </a:endParaRPr>
+          </a:p>
+          <a:p>
+            <a:pPr>
+              <a:lnSpc>
+                <a:spcPct val="100000"/>
+              </a:lnSpc>
+            </a:pPr>
+            <a:endParaRPr lang="en-US" sz="1800" b="0" strike="noStrike" spc="-1" dirty="0">
+              <a:latin typeface="Arial"/>
+            </a:endParaRPr>
+          </a:p>
+          <a:p>
+            <a:pPr>
+              <a:lnSpc>
+                <a:spcPct val="100000"/>
+              </a:lnSpc>
+            </a:pPr>
+            <a:endParaRPr lang="en-US" sz="1800" b="0" strike="noStrike" spc="-1" dirty="0">
+              <a:latin typeface="Arial"/>
+            </a:endParaRPr>
+          </a:p>
+          <a:p>
+            <a:pPr>
+              <a:lnSpc>
+                <a:spcPct val="100000"/>
+              </a:lnSpc>
+            </a:pPr>
+            <a:endParaRPr lang="en-US" sz="1800" b="0" strike="noStrike" spc="-1" dirty="0">
+              <a:latin typeface="Arial"/>
+            </a:endParaRPr>
+          </a:p>
+          <a:p>
+            <a:pPr>
+              <a:lnSpc>
+                <a:spcPct val="100000"/>
+              </a:lnSpc>
+            </a:pPr>
+            <a:endParaRPr lang="en-US" sz="1800" b="0" strike="noStrike" spc="-1" dirty="0">
+              <a:latin typeface="Arial"/>
+            </a:endParaRPr>
+          </a:p>
+          <a:p>
+            <a:pPr>
+              <a:lnSpc>
+                <a:spcPct val="100000"/>
+              </a:lnSpc>
+            </a:pPr>
+            <a:endParaRPr lang="en-US" sz="1800" b="0" strike="noStrike" spc="-1" dirty="0">
+              <a:latin typeface="Arial"/>
+            </a:endParaRPr>
+          </a:p>
+          <a:p>
+            <a:pPr>
+              <a:lnSpc>
+                <a:spcPct val="100000"/>
+              </a:lnSpc>
+            </a:pPr>
+            <a:endParaRPr lang="en-US" sz="1800" b="0" strike="noStrike" spc="-1" dirty="0">
+              <a:latin typeface="Arial"/>
+            </a:endParaRPr>
+          </a:p>
+          <a:p>
+            <a:pPr>
+              <a:lnSpc>
+                <a:spcPct val="100000"/>
+              </a:lnSpc>
+            </a:pPr>
+            <a:endParaRPr lang="en-US" sz="1800" b="0" strike="noStrike" spc="-1" dirty="0">
+              <a:latin typeface="Arial"/>
+            </a:endParaRPr>
+          </a:p>
+          <a:p>
+            <a:pPr>
+              <a:lnSpc>
+                <a:spcPct val="100000"/>
+              </a:lnSpc>
+            </a:pPr>
+            <a:endParaRPr lang="en-US" sz="1800" b="0" strike="noStrike" spc="-1" dirty="0">
+              <a:latin typeface="Arial"/>
+            </a:endParaRPr>
+          </a:p>
+          <a:p>
+            <a:pPr>
+              <a:lnSpc>
+                <a:spcPct val="100000"/>
+              </a:lnSpc>
+            </a:pPr>
+            <a:endParaRPr lang="en-US" sz="1800" b="0" strike="noStrike" spc="-1" dirty="0">
+              <a:latin typeface="Arial"/>
+            </a:endParaRPr>
+          </a:p>
+          <a:p>
+            <a:pPr>
+              <a:lnSpc>
+                <a:spcPct val="100000"/>
+              </a:lnSpc>
+            </a:pPr>
+            <a:endParaRPr lang="en-US" sz="1800" b="0" strike="noStrike" spc="-1" dirty="0">
+              <a:latin typeface="Arial"/>
+            </a:endParaRPr>
+          </a:p>
+          <a:p>
+            <a:pPr>
+              <a:lnSpc>
+                <a:spcPct val="100000"/>
+              </a:lnSpc>
+            </a:pPr>
+            <a:endParaRPr lang="en-US" sz="1800" b="0" strike="noStrike" spc="-1" dirty="0">
+              <a:latin typeface="Arial"/>
+            </a:endParaRPr>
+          </a:p>
+        </p:txBody>
+      </p:sp>
+      <p:sp>
+        <p:nvSpPr>
+          <p:cNvPr id="124" name="CustomShape 10"/>
+          <p:cNvSpPr/>
+          <p:nvPr/>
+        </p:nvSpPr>
+        <p:spPr>
+          <a:xfrm>
+            <a:off x="6412680" y="2012760"/>
+            <a:ext cx="5057640" cy="4205160"/>
+          </a:xfrm>
+          <a:prstGeom prst="rect">
+            <a:avLst/>
+          </a:prstGeom>
+          <a:noFill/>
+          <a:ln>
+            <a:noFill/>
+          </a:ln>
+        </p:spPr>
+        <p:style>
+          <a:lnRef idx="0">
+            <a:scrgbClr r="0" g="0" b="0"/>
+          </a:lnRef>
+          <a:fillRef idx="0">
+            <a:scrgbClr r="0" g="0" b="0"/>
+          </a:fillRef>
+          <a:effectRef idx="0">
+            <a:scrgbClr r="0" g="0" b="0"/>
+          </a:effectRef>
+          <a:fontRef idx="minor"/>
+        </p:style>
+        <p:txBody>
+          <a:bodyPr lIns="90000" tIns="45000" rIns="90000" bIns="45000">
+            <a:spAutoFit/>
+          </a:bodyPr>
+          <a:lstStyle/>
+          <a:p>
+            <a:pPr>
+              <a:lnSpc>
+                <a:spcPct val="100000"/>
+              </a:lnSpc>
+            </a:pPr>
+            <a:r>
+              <a:rPr lang="en-GB" sz="1800" b="0" strike="noStrike" spc="-1" dirty="0">
+                <a:solidFill>
+                  <a:srgbClr val="203232"/>
+                </a:solidFill>
+                <a:latin typeface="Arial"/>
+              </a:rPr>
+              <a:t>Choose one:</a:t>
+            </a:r>
+            <a:endParaRPr lang="en-US" sz="1800" b="0" strike="noStrike" spc="-1" dirty="0">
+              <a:latin typeface="Arial"/>
+            </a:endParaRPr>
+          </a:p>
+          <a:p>
+            <a:pPr>
+              <a:lnSpc>
+                <a:spcPct val="100000"/>
+              </a:lnSpc>
+            </a:pPr>
+            <a:r>
+              <a:rPr lang="en-GB" sz="1800" b="0" strike="noStrike" spc="-1" dirty="0">
+                <a:solidFill>
+                  <a:srgbClr val="203232"/>
+                </a:solidFill>
+                <a:latin typeface="Arial"/>
+              </a:rPr>
+              <a:t>1. The blue normal curve overlay follows the contours of the underlying data, so for our analysis we will use a parametric test for correlation:  </a:t>
+            </a:r>
+            <a:r>
+              <a:rPr lang="en-GB" sz="1800" b="0" strike="noStrike" spc="-1" dirty="0">
+                <a:solidFill>
+                  <a:srgbClr val="0073CF"/>
+                </a:solidFill>
+                <a:latin typeface="Arial"/>
+              </a:rPr>
+              <a:t>Pearson’s r</a:t>
+            </a:r>
+            <a:endParaRPr lang="en-US" sz="1800" b="0" strike="noStrike" spc="-1" dirty="0">
+              <a:latin typeface="Arial"/>
+            </a:endParaRPr>
+          </a:p>
+          <a:p>
+            <a:pPr>
+              <a:lnSpc>
+                <a:spcPct val="100000"/>
+              </a:lnSpc>
+            </a:pPr>
+            <a:r>
+              <a:rPr lang="en-GB" sz="1800" b="0" strike="noStrike" spc="-1" dirty="0">
+                <a:solidFill>
+                  <a:srgbClr val="0073CF"/>
+                </a:solidFill>
+                <a:latin typeface="Arial"/>
+              </a:rPr>
+              <a:t>OR</a:t>
+            </a:r>
+            <a:endParaRPr lang="en-US" sz="1800" b="0" strike="noStrike" spc="-1" dirty="0">
+              <a:latin typeface="Arial"/>
+            </a:endParaRPr>
+          </a:p>
+          <a:p>
+            <a:pPr>
+              <a:lnSpc>
+                <a:spcPct val="100000"/>
+              </a:lnSpc>
+            </a:pPr>
+            <a:r>
+              <a:rPr lang="en-GB" sz="1800" b="0" strike="noStrike" spc="-1" dirty="0">
+                <a:solidFill>
+                  <a:srgbClr val="203232"/>
+                </a:solidFill>
+                <a:latin typeface="Arial"/>
+              </a:rPr>
+              <a:t>The normal curve overlay </a:t>
+            </a:r>
+            <a:r>
+              <a:rPr lang="en-GB" sz="1800" b="1" strike="noStrike" spc="-1" dirty="0">
+                <a:solidFill>
+                  <a:srgbClr val="203232"/>
+                </a:solidFill>
+                <a:latin typeface="Arial"/>
+              </a:rPr>
+              <a:t>does not follow </a:t>
+            </a:r>
+            <a:r>
+              <a:rPr lang="en-GB" sz="1800" b="0" strike="noStrike" spc="-1" dirty="0">
+                <a:solidFill>
+                  <a:srgbClr val="203232"/>
+                </a:solidFill>
+                <a:latin typeface="Arial"/>
+              </a:rPr>
+              <a:t>the shape of the underlying data, so for our analysis we  use the non-parametric test for correlation that does not assume normality: </a:t>
+            </a:r>
+            <a:r>
+              <a:rPr lang="en-GB" sz="1800" b="0" strike="noStrike" spc="-1" dirty="0">
+                <a:solidFill>
+                  <a:srgbClr val="0073CF"/>
+                </a:solidFill>
+                <a:latin typeface="Arial"/>
+              </a:rPr>
+              <a:t>Spearman’s Rho </a:t>
+            </a:r>
+            <a:r>
+              <a:rPr lang="en-GB" sz="1800" b="0" strike="noStrike" spc="-1" dirty="0">
+                <a:solidFill>
+                  <a:srgbClr val="203232"/>
+                </a:solidFill>
+                <a:latin typeface="Arial"/>
+              </a:rPr>
+              <a:t>or </a:t>
+            </a:r>
+            <a:r>
+              <a:rPr lang="en-GB" sz="1800" b="0" strike="noStrike" spc="-1" dirty="0">
+                <a:solidFill>
+                  <a:srgbClr val="0073CF"/>
+                </a:solidFill>
+                <a:latin typeface="Arial"/>
+              </a:rPr>
+              <a:t>Kendal’s Tau</a:t>
+            </a:r>
+            <a:endParaRPr lang="en-US" sz="1800" b="0" strike="noStrike" spc="-1" dirty="0">
+              <a:latin typeface="Arial"/>
+            </a:endParaRPr>
+          </a:p>
+          <a:p>
+            <a:pPr>
+              <a:lnSpc>
+                <a:spcPct val="100000"/>
+              </a:lnSpc>
+            </a:pPr>
+            <a:endParaRPr lang="en-US" sz="1800" b="0" strike="noStrike" spc="-1" dirty="0">
+              <a:latin typeface="Arial"/>
+            </a:endParaRPr>
+          </a:p>
+          <a:p>
+            <a:pPr>
+              <a:lnSpc>
+                <a:spcPct val="100000"/>
+              </a:lnSpc>
+            </a:pPr>
+            <a:r>
+              <a:rPr lang="en-GB" sz="1800" b="0" strike="noStrike" spc="-1" dirty="0">
+                <a:solidFill>
+                  <a:srgbClr val="0073CF"/>
+                </a:solidFill>
+                <a:latin typeface="Arial"/>
+              </a:rPr>
+              <a:t>The example here is borderline, in terms of shape, so when in doubt choose the non-parametric equivalent.</a:t>
+            </a:r>
+            <a:endParaRPr lang="en-US" sz="1800" b="0" strike="noStrike" spc="-1" dirty="0">
+              <a:latin typeface="Arial"/>
+            </a:endParaRPr>
+          </a:p>
+        </p:txBody>
+      </p:sp>
+      <p:pic>
+        <p:nvPicPr>
+          <p:cNvPr id="3" name="Picture 2">
+            <a:extLst>
+              <a:ext uri="{FF2B5EF4-FFF2-40B4-BE49-F238E27FC236}">
+                <a16:creationId xmlns:a16="http://schemas.microsoft.com/office/drawing/2014/main" id="{D250ECFC-C09D-CADC-182B-8C1EE6AB0612}"/>
+              </a:ext>
+            </a:extLst>
+          </p:cNvPr>
+          <p:cNvPicPr>
+            <a:picLocks noChangeAspect="1"/>
+          </p:cNvPicPr>
+          <p:nvPr/>
+        </p:nvPicPr>
+        <p:blipFill>
+          <a:blip r:embed="rId3"/>
+          <a:stretch>
+            <a:fillRect/>
+          </a:stretch>
+        </p:blipFill>
+        <p:spPr>
+          <a:xfrm>
+            <a:off x="443079" y="2474876"/>
+            <a:ext cx="5534361" cy="3306492"/>
+          </a:xfrm>
+          <a:prstGeom prst="rect">
+            <a:avLst/>
+          </a:prstGeom>
+        </p:spPr>
+      </p:pic>
+    </p:spTree>
+    <p:extLst>
+      <p:ext uri="{BB962C8B-B14F-4D97-AF65-F5344CB8AC3E}">
+        <p14:creationId xmlns:p14="http://schemas.microsoft.com/office/powerpoint/2010/main" val="1111031433"/>
+      </p:ext>
+    </p:extLst>
+  </p:cSld>
+  <p:clrMapOvr>
+    <a:masterClrMapping/>
+  </p:clrMapOvr>
+</p:sld>
+</file>
+
+<file path=ppt/slides/slide7.xml><?xml version="1.0" encoding="utf-8"?>
+<p:sld xmlns:a="http://schemas.openxmlformats.org/drawingml/2006/main" xmlns:r="http://schemas.openxmlformats.org/officeDocument/2006/relationships" xmlns:p="http://schemas.openxmlformats.org/presentationml/2006/main">
+  <p:cSld>
+    <p:spTree>
+      <p:nvGrpSpPr>
+        <p:cNvPr id="1" name=""/>
+        <p:cNvGrpSpPr/>
+        <p:nvPr/>
+      </p:nvGrpSpPr>
+      <p:grpSpPr>
+        <a:xfrm>
+          <a:off x="0" y="0"/>
+          <a:ext cx="0" cy="0"/>
+          <a:chOff x="0" y="0"/>
+          <a:chExt cx="0" cy="0"/>
+        </a:xfrm>
+      </p:grpSpPr>
+      <p:sp>
+        <p:nvSpPr>
           <p:cNvPr id="10" name="Slide Number Placeholder 7">
             <a:extLst>
               <a:ext uri="{FF2B5EF4-FFF2-40B4-BE49-F238E27FC236}">
@@ -6392,7 +8453,7 @@
             <a:fld id="{E4D355CA-84B7-41B1-B164-8BB439CC7C6B}" type="slidenum">
               <a:rPr lang="en-GB" smtClean="0"/>
               <a:pPr/>
-              <a:t>5</a:t>
+              <a:t>7</a:t>
             </a:fld>
             <a:endParaRPr lang="en-GB" dirty="0"/>
           </a:p>
@@ -7330,6 +9391,23 @@
 </file>
 
 <file path=customXml/item1.xml><?xml version="1.0" encoding="utf-8"?>
+<?mso-contentType ?>
+<FormTemplates xmlns="http://schemas.microsoft.com/sharepoint/v3/contenttype/forms">
+  <Display>DocumentLibraryForm</Display>
+  <Edit>DocumentLibraryForm</Edit>
+  <New>DocumentLibraryForm</New>
+</FormTemplates>
+</file>
+
+<file path=customXml/item2.xml><?xml version="1.0" encoding="utf-8"?>
+<p:properties xmlns:p="http://schemas.microsoft.com/office/2006/metadata/properties" xmlns:xsi="http://www.w3.org/2001/XMLSchema-instance" xmlns:pc="http://schemas.microsoft.com/office/infopath/2007/PartnerControls">
+  <documentManagement>
+    <Information xmlns="4ad138b4-2b68-4b70-945d-07f8f18b1c9a" xsi:nil="true"/>
+  </documentManagement>
+</p:properties>
+</file>
+
+<file path=customXml/item3.xml><?xml version="1.0" encoding="utf-8"?>
 <ct:contentTypeSchema xmlns:ct="http://schemas.microsoft.com/office/2006/metadata/contentType" xmlns:ma="http://schemas.microsoft.com/office/2006/metadata/properties/metaAttributes" ct:_="" ma:_="" ma:contentTypeName="Document" ma:contentTypeID="0x01010026DBA85F447B164191BB36C258697B67" ma:contentTypeVersion="14" ma:contentTypeDescription="Create a new document." ma:contentTypeScope="" ma:versionID="ea511d05ca7f895fe9556935b5c9af34">
   <xsd:schema xmlns:xsd="http://www.w3.org/2001/XMLSchema" xmlns:xs="http://www.w3.org/2001/XMLSchema" xmlns:p="http://schemas.microsoft.com/office/2006/metadata/properties" xmlns:ns2="4ad138b4-2b68-4b70-945d-07f8f18b1c9a" xmlns:ns3="3c474641-ec36-472f-b125-6b1b0910eaa4" targetNamespace="http://schemas.microsoft.com/office/2006/metadata/properties" ma:root="true" ma:fieldsID="662270106d7a7e100bcac2c5f8d29899" ns2:_="" ns3:_="">
     <xsd:import namespace="4ad138b4-2b68-4b70-945d-07f8f18b1c9a"/>
@@ -7554,38 +9632,10 @@
 </ct:contentTypeSchema>
 </file>
 
-<file path=customXml/item2.xml><?xml version="1.0" encoding="utf-8"?>
-<p:properties xmlns:p="http://schemas.microsoft.com/office/2006/metadata/properties" xmlns:xsi="http://www.w3.org/2001/XMLSchema-instance" xmlns:pc="http://schemas.microsoft.com/office/infopath/2007/PartnerControls">
-  <documentManagement>
-    <Information xmlns="4ad138b4-2b68-4b70-945d-07f8f18b1c9a" xsi:nil="true"/>
-  </documentManagement>
-</p:properties>
-</file>
-
-<file path=customXml/item3.xml><?xml version="1.0" encoding="utf-8"?>
-<?mso-contentType ?>
-<FormTemplates xmlns="http://schemas.microsoft.com/sharepoint/v3/contenttype/forms">
-  <Display>DocumentLibraryForm</Display>
-  <Edit>DocumentLibraryForm</Edit>
-  <New>DocumentLibraryForm</New>
-</FormTemplates>
-</file>
-
 <file path=customXml/itemProps1.xml><?xml version="1.0" encoding="utf-8"?>
-<ds:datastoreItem xmlns:ds="http://schemas.openxmlformats.org/officeDocument/2006/customXml" ds:itemID="{421B8C57-903D-4D0E-8336-7B512F760CD1}">
+<ds:datastoreItem xmlns:ds="http://schemas.openxmlformats.org/officeDocument/2006/customXml" ds:itemID="{91C521DD-2673-4EE6-BB9B-DC5C3320FFBB}">
   <ds:schemaRefs>
-    <ds:schemaRef ds:uri="http://schemas.microsoft.com/office/2006/metadata/contentType"/>
-    <ds:schemaRef ds:uri="http://schemas.microsoft.com/office/2006/metadata/properties/metaAttributes"/>
-    <ds:schemaRef ds:uri="http://www.w3.org/2001/XMLSchema"/>
-    <ds:schemaRef ds:uri="http://schemas.microsoft.com/office/2006/metadata/properties"/>
-    <ds:schemaRef ds:uri="4ad138b4-2b68-4b70-945d-07f8f18b1c9a"/>
-    <ds:schemaRef ds:uri="3c474641-ec36-472f-b125-6b1b0910eaa4"/>
-    <ds:schemaRef ds:uri="http://schemas.microsoft.com/office/2006/documentManagement/types"/>
-    <ds:schemaRef ds:uri="http://schemas.microsoft.com/office/infopath/2007/PartnerControls"/>
-    <ds:schemaRef ds:uri="http://schemas.openxmlformats.org/package/2006/metadata/core-properties"/>
-    <ds:schemaRef ds:uri="http://purl.org/dc/elements/1.1/"/>
-    <ds:schemaRef ds:uri="http://purl.org/dc/terms/"/>
-    <ds:schemaRef ds:uri="http://schemas.microsoft.com/internal/obd"/>
+    <ds:schemaRef ds:uri="http://schemas.microsoft.com/sharepoint/v3/contenttype/forms"/>
   </ds:schemaRefs>
 </ds:datastoreItem>
 </file>
@@ -7608,9 +9658,20 @@
 </file>
 
 <file path=customXml/itemProps3.xml><?xml version="1.0" encoding="utf-8"?>
-<ds:datastoreItem xmlns:ds="http://schemas.openxmlformats.org/officeDocument/2006/customXml" ds:itemID="{91C521DD-2673-4EE6-BB9B-DC5C3320FFBB}">
+<ds:datastoreItem xmlns:ds="http://schemas.openxmlformats.org/officeDocument/2006/customXml" ds:itemID="{421B8C57-903D-4D0E-8336-7B512F760CD1}">
   <ds:schemaRefs>
-    <ds:schemaRef ds:uri="http://schemas.microsoft.com/sharepoint/v3/contenttype/forms"/>
+    <ds:schemaRef ds:uri="http://schemas.microsoft.com/office/2006/metadata/contentType"/>
+    <ds:schemaRef ds:uri="http://schemas.microsoft.com/office/2006/metadata/properties/metaAttributes"/>
+    <ds:schemaRef ds:uri="http://www.w3.org/2001/XMLSchema"/>
+    <ds:schemaRef ds:uri="http://schemas.microsoft.com/office/2006/metadata/properties"/>
+    <ds:schemaRef ds:uri="4ad138b4-2b68-4b70-945d-07f8f18b1c9a"/>
+    <ds:schemaRef ds:uri="3c474641-ec36-472f-b125-6b1b0910eaa4"/>
+    <ds:schemaRef ds:uri="http://schemas.microsoft.com/office/2006/documentManagement/types"/>
+    <ds:schemaRef ds:uri="http://schemas.microsoft.com/office/infopath/2007/PartnerControls"/>
+    <ds:schemaRef ds:uri="http://schemas.openxmlformats.org/package/2006/metadata/core-properties"/>
+    <ds:schemaRef ds:uri="http://purl.org/dc/elements/1.1/"/>
+    <ds:schemaRef ds:uri="http://purl.org/dc/terms/"/>
+    <ds:schemaRef ds:uri="http://schemas.microsoft.com/internal/obd"/>
   </ds:schemaRefs>
 </ds:datastoreItem>
 </file>
--- a/Presentation/reseach_question_presentation_template.pptx
+++ b/Presentation/reseach_question_presentation_template.pptx
@@ -256,7 +256,7 @@
             <a:fld id="{93FAAC3A-BD1F-4A00-9099-74B95789FE00}" type="datetimeFigureOut">
               <a:rPr lang="en-GB" smtClean="0"/>
               <a:pPr/>
-              <a:t>24/11/2024</a:t>
+              <a:t>26/11/2024</a:t>
             </a:fld>
             <a:endParaRPr lang="en-GB"/>
           </a:p>
@@ -435,7 +435,7 @@
             <a:fld id="{8E359C8A-39F6-4045-9163-4042C4C26B15}" type="datetimeFigureOut">
               <a:rPr lang="en-GB" smtClean="0"/>
               <a:pPr/>
-              <a:t>23/11/2024</a:t>
+              <a:t>26/11/2024</a:t>
             </a:fld>
             <a:endParaRPr lang="en-GB"/>
           </a:p>
@@ -6036,12 +6036,26 @@
               </a:rPr>
               <a:t>This dataset is interesting to us because, it provides a large and diverse collection of data, which helps us to explore how a movie’s duration impacts the audience ratings and offers valuable insights for filmmakers.</a:t>
             </a:r>
+            <a:r>
+              <a:rPr lang="en-US" sz="2800" b="0" dirty="0">
+                <a:latin typeface="Calibri" panose="020F0502020204030204" pitchFamily="34" charset="0"/>
+                <a:cs typeface="Calibri" panose="020F0502020204030204" pitchFamily="34" charset="0"/>
+              </a:rPr>
+              <a:t/>
+            </a:r>
             <a:br>
               <a:rPr lang="en-US" sz="2800" b="0" dirty="0">
                 <a:latin typeface="Calibri" panose="020F0502020204030204" pitchFamily="34" charset="0"/>
                 <a:cs typeface="Calibri" panose="020F0502020204030204" pitchFamily="34" charset="0"/>
               </a:rPr>
             </a:br>
+            <a:r>
+              <a:rPr lang="en-US" sz="2800" b="0" dirty="0">
+                <a:latin typeface="Calibri" panose="020F0502020204030204" pitchFamily="34" charset="0"/>
+                <a:cs typeface="Calibri" panose="020F0502020204030204" pitchFamily="34" charset="0"/>
+              </a:rPr>
+              <a:t/>
+            </a:r>
             <a:br>
               <a:rPr lang="en-US" sz="2800" b="0" dirty="0">
                 <a:latin typeface="Calibri" panose="020F0502020204030204" pitchFamily="34" charset="0"/>
@@ -6075,6 +6089,13 @@
               </a:rPr>
               <a:t>.</a:t>
             </a:r>
+            <a:r>
+              <a:rPr lang="en-US" sz="2800" b="0" dirty="0">
+                <a:latin typeface="Calibri" panose="020F0502020204030204" pitchFamily="34" charset="0"/>
+                <a:cs typeface="Calibri" panose="020F0502020204030204" pitchFamily="34" charset="0"/>
+              </a:rPr>
+              <a:t/>
+            </a:r>
             <a:br>
               <a:rPr lang="en-US" sz="2800" b="0" dirty="0">
                 <a:latin typeface="Calibri" panose="020F0502020204030204" pitchFamily="34" charset="0"/>
@@ -6118,6 +6139,13 @@
               </a:rPr>
               <a:t>.</a:t>
             </a:r>
+            <a:r>
+              <a:rPr lang="en-US" sz="2800" b="0" dirty="0">
+                <a:latin typeface="Calibri" panose="020F0502020204030204" pitchFamily="34" charset="0"/>
+                <a:cs typeface="Calibri" panose="020F0502020204030204" pitchFamily="34" charset="0"/>
+              </a:rPr>
+              <a:t/>
+            </a:r>
             <a:br>
               <a:rPr lang="en-US" sz="2800" b="0" dirty="0">
                 <a:latin typeface="Calibri" panose="020F0502020204030204" pitchFamily="34" charset="0"/>
@@ -6151,6 +6179,13 @@
               </a:rPr>
               <a:t>.</a:t>
             </a:r>
+            <a:r>
+              <a:rPr lang="en-US" sz="2800" b="0" dirty="0">
+                <a:latin typeface="Calibri" panose="020F0502020204030204" pitchFamily="34" charset="0"/>
+                <a:cs typeface="Calibri" panose="020F0502020204030204" pitchFamily="34" charset="0"/>
+              </a:rPr>
+              <a:t/>
+            </a:r>
             <a:br>
               <a:rPr lang="en-US" sz="2800" b="0" dirty="0">
                 <a:latin typeface="Calibri" panose="020F0502020204030204" pitchFamily="34" charset="0"/>
@@ -6203,6 +6238,16 @@
                 <a:cs typeface="Calibri"/>
               </a:rPr>
             </a:br>
+            <a:r>
+              <a:rPr lang="en-US" sz="2800" b="0" dirty="0">
+                <a:solidFill>
+                  <a:schemeClr val="tx2"/>
+                </a:solidFill>
+                <a:latin typeface="Calibri"/>
+                <a:cs typeface="Calibri"/>
+              </a:rPr>
+              <a:t/>
+            </a:r>
             <a:br>
               <a:rPr lang="en-US" sz="2800" b="0" dirty="0">
                 <a:solidFill>
@@ -6212,6 +6257,16 @@
                 <a:cs typeface="Calibri"/>
               </a:rPr>
             </a:br>
+            <a:r>
+              <a:rPr lang="en-US" sz="2800" b="0" dirty="0">
+                <a:solidFill>
+                  <a:schemeClr val="tx2"/>
+                </a:solidFill>
+                <a:latin typeface="Calibri"/>
+                <a:cs typeface="Calibri"/>
+              </a:rPr>
+              <a:t/>
+            </a:r>
             <a:br>
               <a:rPr lang="en-US" sz="2800" b="0" dirty="0">
                 <a:solidFill>
@@ -6882,7 +6937,13 @@
               </a:rPr>
               <a:t> </a:t>
             </a:r>
+            <a:r>
+              <a:t/>
+            </a:r>
             <a:br/>
+            <a:r>
+              <a:t/>
+            </a:r>
             <a:br/>
             <a:endParaRPr lang="en-US" sz="2400" b="0" strike="noStrike" spc="-1">
               <a:solidFill>
@@ -7787,7 +7848,13 @@
               </a:rPr>
               <a:t> </a:t>
             </a:r>
+            <a:r>
+              <a:t/>
+            </a:r>
             <a:br/>
+            <a:r>
+              <a:t/>
+            </a:r>
             <a:br/>
             <a:endParaRPr lang="en-US" sz="2400" b="0" strike="noStrike" spc="-1">
               <a:solidFill>
@@ -8523,6 +8590,40 @@
               </a:rPr>
               <a:t>7COM1079-2024  Student Group No: A169</a:t>
             </a:r>
+          </a:p>
+        </p:txBody>
+      </p:sp>
+      <p:sp>
+        <p:nvSpPr>
+          <p:cNvPr id="2" name="TextBox 1"/>
+          <p:cNvSpPr txBox="1"/>
+          <p:nvPr/>
+        </p:nvSpPr>
+        <p:spPr>
+          <a:xfrm>
+            <a:off x="1484671" y="894735"/>
+            <a:ext cx="9743768" cy="369332"/>
+          </a:xfrm>
+          <a:prstGeom prst="rect">
+            <a:avLst/>
+          </a:prstGeom>
+          <a:noFill/>
+        </p:spPr>
+        <p:txBody>
+          <a:bodyPr wrap="square" rtlCol="0">
+            <a:spAutoFit/>
+          </a:bodyPr>
+          <a:lstStyle/>
+          <a:p>
+            <a:r>
+              <a:rPr lang="en-US" dirty="0" err="1" smtClean="0"/>
+              <a:t>Ghouse</a:t>
+            </a:r>
+            <a:r>
+              <a:rPr lang="en-US" dirty="0" smtClean="0"/>
+              <a:t>\</a:t>
+            </a:r>
+            <a:endParaRPr lang="en-US" dirty="0"/>
           </a:p>
         </p:txBody>
       </p:sp>
@@ -9400,14 +9501,6 @@
 </file>
 
 <file path=customXml/item2.xml><?xml version="1.0" encoding="utf-8"?>
-<p:properties xmlns:p="http://schemas.microsoft.com/office/2006/metadata/properties" xmlns:xsi="http://www.w3.org/2001/XMLSchema-instance" xmlns:pc="http://schemas.microsoft.com/office/infopath/2007/PartnerControls">
-  <documentManagement>
-    <Information xmlns="4ad138b4-2b68-4b70-945d-07f8f18b1c9a" xsi:nil="true"/>
-  </documentManagement>
-</p:properties>
-</file>
-
-<file path=customXml/item3.xml><?xml version="1.0" encoding="utf-8"?>
 <ct:contentTypeSchema xmlns:ct="http://schemas.microsoft.com/office/2006/metadata/contentType" xmlns:ma="http://schemas.microsoft.com/office/2006/metadata/properties/metaAttributes" ct:_="" ma:_="" ma:contentTypeName="Document" ma:contentTypeID="0x01010026DBA85F447B164191BB36C258697B67" ma:contentTypeVersion="14" ma:contentTypeDescription="Create a new document." ma:contentTypeScope="" ma:versionID="ea511d05ca7f895fe9556935b5c9af34">
   <xsd:schema xmlns:xsd="http://www.w3.org/2001/XMLSchema" xmlns:xs="http://www.w3.org/2001/XMLSchema" xmlns:p="http://schemas.microsoft.com/office/2006/metadata/properties" xmlns:ns2="4ad138b4-2b68-4b70-945d-07f8f18b1c9a" xmlns:ns3="3c474641-ec36-472f-b125-6b1b0910eaa4" targetNamespace="http://schemas.microsoft.com/office/2006/metadata/properties" ma:root="true" ma:fieldsID="662270106d7a7e100bcac2c5f8d29899" ns2:_="" ns3:_="">
     <xsd:import namespace="4ad138b4-2b68-4b70-945d-07f8f18b1c9a"/>
@@ -9632,6 +9725,14 @@
 </ct:contentTypeSchema>
 </file>
 
+<file path=customXml/item3.xml><?xml version="1.0" encoding="utf-8"?>
+<p:properties xmlns:p="http://schemas.microsoft.com/office/2006/metadata/properties" xmlns:xsi="http://www.w3.org/2001/XMLSchema-instance" xmlns:pc="http://schemas.microsoft.com/office/infopath/2007/PartnerControls">
+  <documentManagement>
+    <Information xmlns="4ad138b4-2b68-4b70-945d-07f8f18b1c9a" xsi:nil="true"/>
+  </documentManagement>
+</p:properties>
+</file>
+
 <file path=customXml/itemProps1.xml><?xml version="1.0" encoding="utf-8"?>
 <ds:datastoreItem xmlns:ds="http://schemas.openxmlformats.org/officeDocument/2006/customXml" ds:itemID="{91C521DD-2673-4EE6-BB9B-DC5C3320FFBB}">
   <ds:schemaRefs>
@@ -9641,23 +9742,6 @@
 </file>
 
 <file path=customXml/itemProps2.xml><?xml version="1.0" encoding="utf-8"?>
-<ds:datastoreItem xmlns:ds="http://schemas.openxmlformats.org/officeDocument/2006/customXml" ds:itemID="{EDD1FC41-23C7-41B0-B5F9-BF4CD38AD2ED}">
-  <ds:schemaRefs>
-    <ds:schemaRef ds:uri="http://schemas.microsoft.com/office/infopath/2007/PartnerControls"/>
-    <ds:schemaRef ds:uri="3c474641-ec36-472f-b125-6b1b0910eaa4"/>
-    <ds:schemaRef ds:uri="http://purl.org/dc/terms/"/>
-    <ds:schemaRef ds:uri="http://schemas.microsoft.com/office/2006/documentManagement/types"/>
-    <ds:schemaRef ds:uri="http://www.w3.org/XML/1998/namespace"/>
-    <ds:schemaRef ds:uri="http://purl.org/dc/elements/1.1/"/>
-    <ds:schemaRef ds:uri="http://schemas.openxmlformats.org/package/2006/metadata/core-properties"/>
-    <ds:schemaRef ds:uri="4ad138b4-2b68-4b70-945d-07f8f18b1c9a"/>
-    <ds:schemaRef ds:uri="http://schemas.microsoft.com/office/2006/metadata/properties"/>
-    <ds:schemaRef ds:uri="http://purl.org/dc/dcmitype/"/>
-  </ds:schemaRefs>
-</ds:datastoreItem>
-</file>
-
-<file path=customXml/itemProps3.xml><?xml version="1.0" encoding="utf-8"?>
 <ds:datastoreItem xmlns:ds="http://schemas.openxmlformats.org/officeDocument/2006/customXml" ds:itemID="{421B8C57-903D-4D0E-8336-7B512F760CD1}">
   <ds:schemaRefs>
     <ds:schemaRef ds:uri="http://schemas.microsoft.com/office/2006/metadata/contentType"/>
@@ -9674,4 +9758,21 @@
     <ds:schemaRef ds:uri="http://schemas.microsoft.com/internal/obd"/>
   </ds:schemaRefs>
 </ds:datastoreItem>
+</file>
+
+<file path=customXml/itemProps3.xml><?xml version="1.0" encoding="utf-8"?>
+<ds:datastoreItem xmlns:ds="http://schemas.openxmlformats.org/officeDocument/2006/customXml" ds:itemID="{EDD1FC41-23C7-41B0-B5F9-BF4CD38AD2ED}">
+  <ds:schemaRefs>
+    <ds:schemaRef ds:uri="http://schemas.microsoft.com/office/infopath/2007/PartnerControls"/>
+    <ds:schemaRef ds:uri="3c474641-ec36-472f-b125-6b1b0910eaa4"/>
+    <ds:schemaRef ds:uri="http://purl.org/dc/terms/"/>
+    <ds:schemaRef ds:uri="http://schemas.microsoft.com/office/2006/documentManagement/types"/>
+    <ds:schemaRef ds:uri="http://www.w3.org/XML/1998/namespace"/>
+    <ds:schemaRef ds:uri="http://purl.org/dc/elements/1.1/"/>
+    <ds:schemaRef ds:uri="http://schemas.openxmlformats.org/package/2006/metadata/core-properties"/>
+    <ds:schemaRef ds:uri="4ad138b4-2b68-4b70-945d-07f8f18b1c9a"/>
+    <ds:schemaRef ds:uri="http://schemas.microsoft.com/office/2006/metadata/properties"/>
+    <ds:schemaRef ds:uri="http://purl.org/dc/dcmitype/"/>
+  </ds:schemaRefs>
+</ds:datastoreItem>
 </file>
--- a/Presentation/reseach_question_presentation_template.pptx
+++ b/Presentation/reseach_question_presentation_template.pptx
@@ -8590,40 +8590,6 @@
               </a:rPr>
               <a:t>7COM1079-2024  Student Group No: A169</a:t>
             </a:r>
-          </a:p>
-        </p:txBody>
-      </p:sp>
-      <p:sp>
-        <p:nvSpPr>
-          <p:cNvPr id="2" name="TextBox 1"/>
-          <p:cNvSpPr txBox="1"/>
-          <p:nvPr/>
-        </p:nvSpPr>
-        <p:spPr>
-          <a:xfrm>
-            <a:off x="1484671" y="894735"/>
-            <a:ext cx="9743768" cy="369332"/>
-          </a:xfrm>
-          <a:prstGeom prst="rect">
-            <a:avLst/>
-          </a:prstGeom>
-          <a:noFill/>
-        </p:spPr>
-        <p:txBody>
-          <a:bodyPr wrap="square" rtlCol="0">
-            <a:spAutoFit/>
-          </a:bodyPr>
-          <a:lstStyle/>
-          <a:p>
-            <a:r>
-              <a:rPr lang="en-US" dirty="0" err="1" smtClean="0"/>
-              <a:t>Ghouse</a:t>
-            </a:r>
-            <a:r>
-              <a:rPr lang="en-US" dirty="0" smtClean="0"/>
-              <a:t>\</a:t>
-            </a:r>
-            <a:endParaRPr lang="en-US" dirty="0"/>
           </a:p>
         </p:txBody>
       </p:sp>
@@ -9501,6 +9467,14 @@
 </file>
 
 <file path=customXml/item2.xml><?xml version="1.0" encoding="utf-8"?>
+<p:properties xmlns:p="http://schemas.microsoft.com/office/2006/metadata/properties" xmlns:xsi="http://www.w3.org/2001/XMLSchema-instance" xmlns:pc="http://schemas.microsoft.com/office/infopath/2007/PartnerControls">
+  <documentManagement>
+    <Information xmlns="4ad138b4-2b68-4b70-945d-07f8f18b1c9a" xsi:nil="true"/>
+  </documentManagement>
+</p:properties>
+</file>
+
+<file path=customXml/item3.xml><?xml version="1.0" encoding="utf-8"?>
 <ct:contentTypeSchema xmlns:ct="http://schemas.microsoft.com/office/2006/metadata/contentType" xmlns:ma="http://schemas.microsoft.com/office/2006/metadata/properties/metaAttributes" ct:_="" ma:_="" ma:contentTypeName="Document" ma:contentTypeID="0x01010026DBA85F447B164191BB36C258697B67" ma:contentTypeVersion="14" ma:contentTypeDescription="Create a new document." ma:contentTypeScope="" ma:versionID="ea511d05ca7f895fe9556935b5c9af34">
   <xsd:schema xmlns:xsd="http://www.w3.org/2001/XMLSchema" xmlns:xs="http://www.w3.org/2001/XMLSchema" xmlns:p="http://schemas.microsoft.com/office/2006/metadata/properties" xmlns:ns2="4ad138b4-2b68-4b70-945d-07f8f18b1c9a" xmlns:ns3="3c474641-ec36-472f-b125-6b1b0910eaa4" targetNamespace="http://schemas.microsoft.com/office/2006/metadata/properties" ma:root="true" ma:fieldsID="662270106d7a7e100bcac2c5f8d29899" ns2:_="" ns3:_="">
     <xsd:import namespace="4ad138b4-2b68-4b70-945d-07f8f18b1c9a"/>
@@ -9725,14 +9699,6 @@
 </ct:contentTypeSchema>
 </file>
 
-<file path=customXml/item3.xml><?xml version="1.0" encoding="utf-8"?>
-<p:properties xmlns:p="http://schemas.microsoft.com/office/2006/metadata/properties" xmlns:xsi="http://www.w3.org/2001/XMLSchema-instance" xmlns:pc="http://schemas.microsoft.com/office/infopath/2007/PartnerControls">
-  <documentManagement>
-    <Information xmlns="4ad138b4-2b68-4b70-945d-07f8f18b1c9a" xsi:nil="true"/>
-  </documentManagement>
-</p:properties>
-</file>
-
 <file path=customXml/itemProps1.xml><?xml version="1.0" encoding="utf-8"?>
 <ds:datastoreItem xmlns:ds="http://schemas.openxmlformats.org/officeDocument/2006/customXml" ds:itemID="{91C521DD-2673-4EE6-BB9B-DC5C3320FFBB}">
   <ds:schemaRefs>
@@ -9742,6 +9708,23 @@
 </file>
 
 <file path=customXml/itemProps2.xml><?xml version="1.0" encoding="utf-8"?>
+<ds:datastoreItem xmlns:ds="http://schemas.openxmlformats.org/officeDocument/2006/customXml" ds:itemID="{EDD1FC41-23C7-41B0-B5F9-BF4CD38AD2ED}">
+  <ds:schemaRefs>
+    <ds:schemaRef ds:uri="http://schemas.microsoft.com/office/infopath/2007/PartnerControls"/>
+    <ds:schemaRef ds:uri="3c474641-ec36-472f-b125-6b1b0910eaa4"/>
+    <ds:schemaRef ds:uri="http://purl.org/dc/terms/"/>
+    <ds:schemaRef ds:uri="http://schemas.microsoft.com/office/2006/documentManagement/types"/>
+    <ds:schemaRef ds:uri="http://www.w3.org/XML/1998/namespace"/>
+    <ds:schemaRef ds:uri="http://purl.org/dc/elements/1.1/"/>
+    <ds:schemaRef ds:uri="http://schemas.openxmlformats.org/package/2006/metadata/core-properties"/>
+    <ds:schemaRef ds:uri="4ad138b4-2b68-4b70-945d-07f8f18b1c9a"/>
+    <ds:schemaRef ds:uri="http://schemas.microsoft.com/office/2006/metadata/properties"/>
+    <ds:schemaRef ds:uri="http://purl.org/dc/dcmitype/"/>
+  </ds:schemaRefs>
+</ds:datastoreItem>
+</file>
+
+<file path=customXml/itemProps3.xml><?xml version="1.0" encoding="utf-8"?>
 <ds:datastoreItem xmlns:ds="http://schemas.openxmlformats.org/officeDocument/2006/customXml" ds:itemID="{421B8C57-903D-4D0E-8336-7B512F760CD1}">
   <ds:schemaRefs>
     <ds:schemaRef ds:uri="http://schemas.microsoft.com/office/2006/metadata/contentType"/>
@@ -9758,21 +9741,4 @@
     <ds:schemaRef ds:uri="http://schemas.microsoft.com/internal/obd"/>
   </ds:schemaRefs>
 </ds:datastoreItem>
-</file>
-
-<file path=customXml/itemProps3.xml><?xml version="1.0" encoding="utf-8"?>
-<ds:datastoreItem xmlns:ds="http://schemas.openxmlformats.org/officeDocument/2006/customXml" ds:itemID="{EDD1FC41-23C7-41B0-B5F9-BF4CD38AD2ED}">
-  <ds:schemaRefs>
-    <ds:schemaRef ds:uri="http://schemas.microsoft.com/office/infopath/2007/PartnerControls"/>
-    <ds:schemaRef ds:uri="3c474641-ec36-472f-b125-6b1b0910eaa4"/>
-    <ds:schemaRef ds:uri="http://purl.org/dc/terms/"/>
-    <ds:schemaRef ds:uri="http://schemas.microsoft.com/office/2006/documentManagement/types"/>
-    <ds:schemaRef ds:uri="http://www.w3.org/XML/1998/namespace"/>
-    <ds:schemaRef ds:uri="http://purl.org/dc/elements/1.1/"/>
-    <ds:schemaRef ds:uri="http://schemas.openxmlformats.org/package/2006/metadata/core-properties"/>
-    <ds:schemaRef ds:uri="4ad138b4-2b68-4b70-945d-07f8f18b1c9a"/>
-    <ds:schemaRef ds:uri="http://schemas.microsoft.com/office/2006/metadata/properties"/>
-    <ds:schemaRef ds:uri="http://purl.org/dc/dcmitype/"/>
-  </ds:schemaRefs>
-</ds:datastoreItem>
 </file>